--- a/Lecture Slides/IntroSlides/6_Intro.pptx
+++ b/Lecture Slides/IntroSlides/6_Intro.pptx
@@ -2971,13 +2971,13 @@
       </p:grpSpPr>
       <p:sp>
         <p:nvSpPr>
-          <p:cNvPr id="91" name="Rounded Rectangle 90"/>
+          <p:cNvPr id="25" name="Rounded Rectangle 24"/>
           <p:cNvSpPr/>
           <p:nvPr/>
         </p:nvSpPr>
         <p:spPr>
           <a:xfrm>
-            <a:off x="5269167" y="2101846"/>
+            <a:off x="3228615" y="1330228"/>
             <a:ext cx="1787596" cy="1014844"/>
           </a:xfrm>
           <a:prstGeom prst="roundRect">
@@ -3007,7 +3007,363 @@
             <a:pPr algn="ctr"/>
             <a:r>
               <a:rPr lang="en-US" dirty="0" smtClean="0"/>
-              <a:t>Dry Friction</a:t>
+              <a:t>Structures</a:t>
+            </a:r>
+            <a:endParaRPr lang="en-US" dirty="0"/>
+          </a:p>
+        </p:txBody>
+      </p:sp>
+      <p:sp>
+        <p:nvSpPr>
+          <p:cNvPr id="87" name="Rounded Rectangle 86"/>
+          <p:cNvSpPr/>
+          <p:nvPr/>
+        </p:nvSpPr>
+        <p:spPr>
+          <a:xfrm>
+            <a:off x="3228615" y="3283910"/>
+            <a:ext cx="1787596" cy="1014844"/>
+          </a:xfrm>
+          <a:prstGeom prst="roundRect">
+            <a:avLst/>
+          </a:prstGeom>
+        </p:spPr>
+        <p:style>
+          <a:lnRef idx="2">
+            <a:schemeClr val="accent1">
+              <a:shade val="50000"/>
+            </a:schemeClr>
+          </a:lnRef>
+          <a:fillRef idx="1">
+            <a:schemeClr val="accent1"/>
+          </a:fillRef>
+          <a:effectRef idx="0">
+            <a:schemeClr val="accent1"/>
+          </a:effectRef>
+          <a:fontRef idx="minor">
+            <a:schemeClr val="lt1"/>
+          </a:fontRef>
+        </p:style>
+        <p:txBody>
+          <a:bodyPr rtlCol="0" anchor="ctr"/>
+          <a:lstStyle/>
+          <a:p>
+            <a:pPr algn="ctr"/>
+            <a:r>
+              <a:rPr lang="en-US" dirty="0" smtClean="0"/>
+              <a:t>Trusses</a:t>
+            </a:r>
+            <a:endParaRPr lang="en-US" dirty="0"/>
+          </a:p>
+        </p:txBody>
+      </p:sp>
+      <p:sp>
+        <p:nvSpPr>
+          <p:cNvPr id="88" name="Rounded Rectangle 87"/>
+          <p:cNvSpPr/>
+          <p:nvPr/>
+        </p:nvSpPr>
+        <p:spPr>
+          <a:xfrm>
+            <a:off x="7339158" y="3283910"/>
+            <a:ext cx="1787596" cy="1014844"/>
+          </a:xfrm>
+          <a:prstGeom prst="roundRect">
+            <a:avLst/>
+          </a:prstGeom>
+        </p:spPr>
+        <p:style>
+          <a:lnRef idx="2">
+            <a:schemeClr val="accent1">
+              <a:shade val="50000"/>
+            </a:schemeClr>
+          </a:lnRef>
+          <a:fillRef idx="1">
+            <a:schemeClr val="accent1"/>
+          </a:fillRef>
+          <a:effectRef idx="0">
+            <a:schemeClr val="accent1"/>
+          </a:effectRef>
+          <a:fontRef idx="minor">
+            <a:schemeClr val="lt1"/>
+          </a:fontRef>
+        </p:style>
+        <p:txBody>
+          <a:bodyPr rtlCol="0" anchor="ctr"/>
+          <a:lstStyle/>
+          <a:p>
+            <a:pPr algn="ctr"/>
+            <a:r>
+              <a:rPr lang="en-US" dirty="0" smtClean="0"/>
+              <a:t>Frames and Machines</a:t>
+            </a:r>
+            <a:endParaRPr lang="en-US" dirty="0"/>
+          </a:p>
+        </p:txBody>
+      </p:sp>
+      <p:sp>
+        <p:nvSpPr>
+          <p:cNvPr id="89" name="Rounded Rectangle 88"/>
+          <p:cNvSpPr/>
+          <p:nvPr/>
+        </p:nvSpPr>
+        <p:spPr>
+          <a:xfrm>
+            <a:off x="2004797" y="5417702"/>
+            <a:ext cx="1787596" cy="1014844"/>
+          </a:xfrm>
+          <a:prstGeom prst="roundRect">
+            <a:avLst/>
+          </a:prstGeom>
+        </p:spPr>
+        <p:style>
+          <a:lnRef idx="2">
+            <a:schemeClr val="accent1">
+              <a:shade val="50000"/>
+            </a:schemeClr>
+          </a:lnRef>
+          <a:fillRef idx="1">
+            <a:schemeClr val="accent1"/>
+          </a:fillRef>
+          <a:effectRef idx="0">
+            <a:schemeClr val="accent1"/>
+          </a:effectRef>
+          <a:fontRef idx="minor">
+            <a:schemeClr val="lt1"/>
+          </a:fontRef>
+        </p:style>
+        <p:txBody>
+          <a:bodyPr rtlCol="0" anchor="ctr"/>
+          <a:lstStyle/>
+          <a:p>
+            <a:pPr algn="ctr"/>
+            <a:r>
+              <a:rPr lang="en-US" dirty="0" smtClean="0"/>
+              <a:t>Method of Joints</a:t>
+            </a:r>
+            <a:endParaRPr lang="en-US" dirty="0"/>
+          </a:p>
+        </p:txBody>
+      </p:sp>
+      <p:sp>
+        <p:nvSpPr>
+          <p:cNvPr id="90" name="Rounded Rectangle 89"/>
+          <p:cNvSpPr/>
+          <p:nvPr/>
+        </p:nvSpPr>
+        <p:spPr>
+          <a:xfrm>
+            <a:off x="4519397" y="5417702"/>
+            <a:ext cx="1787596" cy="1014844"/>
+          </a:xfrm>
+          <a:prstGeom prst="roundRect">
+            <a:avLst/>
+          </a:prstGeom>
+        </p:spPr>
+        <p:style>
+          <a:lnRef idx="2">
+            <a:schemeClr val="accent1">
+              <a:shade val="50000"/>
+            </a:schemeClr>
+          </a:lnRef>
+          <a:fillRef idx="1">
+            <a:schemeClr val="accent1"/>
+          </a:fillRef>
+          <a:effectRef idx="0">
+            <a:schemeClr val="accent1"/>
+          </a:effectRef>
+          <a:fontRef idx="minor">
+            <a:schemeClr val="lt1"/>
+          </a:fontRef>
+        </p:style>
+        <p:txBody>
+          <a:bodyPr rtlCol="0" anchor="ctr"/>
+          <a:lstStyle/>
+          <a:p>
+            <a:pPr algn="ctr"/>
+            <a:r>
+              <a:rPr lang="en-US" dirty="0" smtClean="0"/>
+              <a:t>Method of Sections</a:t>
+            </a:r>
+            <a:endParaRPr lang="en-US" dirty="0"/>
+          </a:p>
+        </p:txBody>
+      </p:sp>
+      <p:sp>
+        <p:nvSpPr>
+          <p:cNvPr id="91" name="Rounded Rectangle 90"/>
+          <p:cNvSpPr/>
+          <p:nvPr/>
+        </p:nvSpPr>
+        <p:spPr>
+          <a:xfrm>
+            <a:off x="7339158" y="5417702"/>
+            <a:ext cx="1787596" cy="1014844"/>
+          </a:xfrm>
+          <a:prstGeom prst="roundRect">
+            <a:avLst/>
+          </a:prstGeom>
+        </p:spPr>
+        <p:style>
+          <a:lnRef idx="2">
+            <a:schemeClr val="accent1">
+              <a:shade val="50000"/>
+            </a:schemeClr>
+          </a:lnRef>
+          <a:fillRef idx="1">
+            <a:schemeClr val="accent1"/>
+          </a:fillRef>
+          <a:effectRef idx="0">
+            <a:schemeClr val="accent1"/>
+          </a:effectRef>
+          <a:fontRef idx="minor">
+            <a:schemeClr val="lt1"/>
+          </a:fontRef>
+        </p:style>
+        <p:txBody>
+          <a:bodyPr rtlCol="0" anchor="ctr"/>
+          <a:lstStyle/>
+          <a:p>
+            <a:pPr algn="ctr"/>
+            <a:r>
+              <a:rPr lang="en-US" dirty="0" smtClean="0"/>
+              <a:t>Analysis of Frames and Machines</a:t>
+            </a:r>
+            <a:endParaRPr lang="en-US" dirty="0"/>
+          </a:p>
+        </p:txBody>
+      </p:sp>
+      <p:sp>
+        <p:nvSpPr>
+          <p:cNvPr id="92" name="Rounded Rectangle 91"/>
+          <p:cNvSpPr/>
+          <p:nvPr/>
+        </p:nvSpPr>
+        <p:spPr>
+          <a:xfrm>
+            <a:off x="7339158" y="1330228"/>
+            <a:ext cx="1787596" cy="1014844"/>
+          </a:xfrm>
+          <a:prstGeom prst="roundRect">
+            <a:avLst/>
+          </a:prstGeom>
+        </p:spPr>
+        <p:style>
+          <a:lnRef idx="2">
+            <a:schemeClr val="accent1">
+              <a:shade val="50000"/>
+            </a:schemeClr>
+          </a:lnRef>
+          <a:fillRef idx="1">
+            <a:schemeClr val="accent1"/>
+          </a:fillRef>
+          <a:effectRef idx="0">
+            <a:schemeClr val="accent1"/>
+          </a:effectRef>
+          <a:fontRef idx="minor">
+            <a:schemeClr val="lt1"/>
+          </a:fontRef>
+        </p:style>
+        <p:txBody>
+          <a:bodyPr rtlCol="0" anchor="ctr"/>
+          <a:lstStyle/>
+          <a:p>
+            <a:pPr algn="ctr"/>
+            <a:r>
+              <a:rPr lang="en-US" dirty="0" smtClean="0"/>
+              <a:t>Two Force Members</a:t>
+            </a:r>
+            <a:endParaRPr lang="en-US" dirty="0"/>
+          </a:p>
+        </p:txBody>
+      </p:sp>
+      <p:sp>
+        <p:nvSpPr>
+          <p:cNvPr id="93" name="Rounded Rectangle 92"/>
+          <p:cNvSpPr/>
+          <p:nvPr/>
+        </p:nvSpPr>
+        <p:spPr>
+          <a:xfrm>
+            <a:off x="398640" y="3195345"/>
+            <a:ext cx="1874012" cy="1372084"/>
+          </a:xfrm>
+          <a:prstGeom prst="roundRect">
+            <a:avLst/>
+          </a:prstGeom>
+        </p:spPr>
+        <p:style>
+          <a:lnRef idx="2">
+            <a:schemeClr val="accent6">
+              <a:shade val="50000"/>
+            </a:schemeClr>
+          </a:lnRef>
+          <a:fillRef idx="1">
+            <a:schemeClr val="accent6"/>
+          </a:fillRef>
+          <a:effectRef idx="0">
+            <a:schemeClr val="accent6"/>
+          </a:effectRef>
+          <a:fontRef idx="minor">
+            <a:schemeClr val="lt1"/>
+          </a:fontRef>
+        </p:style>
+        <p:txBody>
+          <a:bodyPr rtlCol="0" anchor="ctr"/>
+          <a:lstStyle/>
+          <a:p>
+            <a:pPr algn="ctr"/>
+            <a:r>
+              <a:rPr lang="en-US" dirty="0" smtClean="0"/>
+              <a:t>Equilibrium Analysis for a Concurrent Force System</a:t>
+            </a:r>
+            <a:endParaRPr lang="en-US" dirty="0"/>
+          </a:p>
+        </p:txBody>
+      </p:sp>
+      <p:sp>
+        <p:nvSpPr>
+          <p:cNvPr id="94" name="Rounded Rectangle 93"/>
+          <p:cNvSpPr/>
+          <p:nvPr/>
+        </p:nvSpPr>
+        <p:spPr>
+          <a:xfrm>
+            <a:off x="9791517" y="3283910"/>
+            <a:ext cx="1874012" cy="1372084"/>
+          </a:xfrm>
+          <a:prstGeom prst="roundRect">
+            <a:avLst/>
+          </a:prstGeom>
+        </p:spPr>
+        <p:style>
+          <a:lnRef idx="2">
+            <a:schemeClr val="accent6">
+              <a:shade val="50000"/>
+            </a:schemeClr>
+          </a:lnRef>
+          <a:fillRef idx="1">
+            <a:schemeClr val="accent6"/>
+          </a:fillRef>
+          <a:effectRef idx="0">
+            <a:schemeClr val="accent6"/>
+          </a:effectRef>
+          <a:fontRef idx="minor">
+            <a:schemeClr val="lt1"/>
+          </a:fontRef>
+        </p:style>
+        <p:txBody>
+          <a:bodyPr rtlCol="0" anchor="ctr"/>
+          <a:lstStyle/>
+          <a:p>
+            <a:pPr algn="ctr"/>
+            <a:r>
+              <a:rPr lang="en-US" dirty="0" smtClean="0"/>
+              <a:t>Equilibrium Analysis for </a:t>
+            </a:r>
+            <a:r>
+              <a:rPr lang="en-US" dirty="0" smtClean="0"/>
+              <a:t>an Extended Body System</a:t>
             </a:r>
             <a:endParaRPr lang="en-US" dirty="0"/>
           </a:p>
@@ -3021,7 +3377,7 @@
         </p:nvSpPr>
         <p:spPr>
           <a:xfrm>
-            <a:off x="5362195" y="645285"/>
+            <a:off x="9927753" y="5437277"/>
             <a:ext cx="1601539" cy="975694"/>
           </a:xfrm>
           <a:prstGeom prst="roundRect">
@@ -3051,7 +3407,7 @@
             <a:pPr algn="ctr"/>
             <a:r>
               <a:rPr lang="en-US" dirty="0" smtClean="0"/>
-              <a:t>Forces</a:t>
+              <a:t>Newton’s Third Law</a:t>
             </a:r>
             <a:endParaRPr lang="en-US" dirty="0"/>
           </a:p>
@@ -3059,361 +3415,17 @@
       </p:sp>
       <p:cxnSp>
         <p:nvCxnSpPr>
-          <p:cNvPr id="126" name="Straight Arrow Connector 125"/>
+          <p:cNvPr id="96" name="Straight Arrow Connector 95"/>
           <p:cNvCxnSpPr>
-            <a:stCxn id="95" idx="2"/>
-            <a:endCxn id="91" idx="0"/>
+            <a:stCxn id="25" idx="2"/>
+            <a:endCxn id="87" idx="0"/>
           </p:cNvCxnSpPr>
           <p:nvPr/>
         </p:nvCxnSpPr>
         <p:spPr>
           <a:xfrm>
-            <a:off x="6162965" y="1620979"/>
-            <a:ext cx="0" cy="480867"/>
-          </a:xfrm>
-          <a:prstGeom prst="straightConnector1">
-            <a:avLst/>
-          </a:prstGeom>
-          <a:ln w="38100">
-            <a:tailEnd type="triangle"/>
-          </a:ln>
-        </p:spPr>
-        <p:style>
-          <a:lnRef idx="3">
-            <a:schemeClr val="dk1"/>
-          </a:lnRef>
-          <a:fillRef idx="0">
-            <a:schemeClr val="dk1"/>
-          </a:fillRef>
-          <a:effectRef idx="2">
-            <a:schemeClr val="dk1"/>
-          </a:effectRef>
-          <a:fontRef idx="minor">
-            <a:schemeClr val="tx1"/>
-          </a:fontRef>
-        </p:style>
-      </p:cxnSp>
-      <p:sp>
-        <p:nvSpPr>
-          <p:cNvPr id="136" name="Rounded Rectangle 135"/>
-          <p:cNvSpPr/>
-          <p:nvPr/>
-        </p:nvSpPr>
-        <p:spPr>
-          <a:xfrm>
-            <a:off x="843622" y="4041477"/>
-            <a:ext cx="1787596" cy="1014844"/>
-          </a:xfrm>
-          <a:prstGeom prst="roundRect">
-            <a:avLst/>
-          </a:prstGeom>
-        </p:spPr>
-        <p:style>
-          <a:lnRef idx="2">
-            <a:schemeClr val="accent1">
-              <a:shade val="50000"/>
-            </a:schemeClr>
-          </a:lnRef>
-          <a:fillRef idx="1">
-            <a:schemeClr val="accent1"/>
-          </a:fillRef>
-          <a:effectRef idx="0">
-            <a:schemeClr val="accent1"/>
-          </a:effectRef>
-          <a:fontRef idx="minor">
-            <a:schemeClr val="lt1"/>
-          </a:fontRef>
-        </p:style>
-        <p:txBody>
-          <a:bodyPr rtlCol="0" anchor="ctr"/>
-          <a:lstStyle/>
-          <a:p>
-            <a:pPr algn="ctr"/>
-            <a:r>
-              <a:rPr lang="en-US" dirty="0" smtClean="0"/>
-              <a:t>Slipping vs. Tipping</a:t>
-            </a:r>
-            <a:endParaRPr lang="en-US" dirty="0"/>
-          </a:p>
-        </p:txBody>
-      </p:sp>
-      <p:sp>
-        <p:nvSpPr>
-          <p:cNvPr id="137" name="Rounded Rectangle 136"/>
-          <p:cNvSpPr/>
-          <p:nvPr/>
-        </p:nvSpPr>
-        <p:spPr>
-          <a:xfrm>
-            <a:off x="936650" y="2303212"/>
-            <a:ext cx="1601539" cy="975694"/>
-          </a:xfrm>
-          <a:prstGeom prst="roundRect">
-            <a:avLst/>
-          </a:prstGeom>
-        </p:spPr>
-        <p:style>
-          <a:lnRef idx="2">
-            <a:schemeClr val="accent6">
-              <a:shade val="50000"/>
-            </a:schemeClr>
-          </a:lnRef>
-          <a:fillRef idx="1">
-            <a:schemeClr val="accent6"/>
-          </a:fillRef>
-          <a:effectRef idx="0">
-            <a:schemeClr val="accent6"/>
-          </a:effectRef>
-          <a:fontRef idx="minor">
-            <a:schemeClr val="lt1"/>
-          </a:fontRef>
-        </p:style>
-        <p:txBody>
-          <a:bodyPr rtlCol="0" anchor="ctr"/>
-          <a:lstStyle/>
-          <a:p>
-            <a:pPr algn="ctr"/>
-            <a:r>
-              <a:rPr lang="en-US" dirty="0" smtClean="0"/>
-              <a:t>Couples</a:t>
-            </a:r>
-            <a:endParaRPr lang="en-US" dirty="0"/>
-          </a:p>
-        </p:txBody>
-      </p:sp>
-      <p:sp>
-        <p:nvSpPr>
-          <p:cNvPr id="138" name="Rounded Rectangle 137"/>
-          <p:cNvSpPr/>
-          <p:nvPr/>
-        </p:nvSpPr>
-        <p:spPr>
-          <a:xfrm>
-            <a:off x="3056394" y="4041477"/>
-            <a:ext cx="1787596" cy="1014844"/>
-          </a:xfrm>
-          <a:prstGeom prst="roundRect">
-            <a:avLst/>
-          </a:prstGeom>
-        </p:spPr>
-        <p:style>
-          <a:lnRef idx="2">
-            <a:schemeClr val="accent1">
-              <a:shade val="50000"/>
-            </a:schemeClr>
-          </a:lnRef>
-          <a:fillRef idx="1">
-            <a:schemeClr val="accent1"/>
-          </a:fillRef>
-          <a:effectRef idx="0">
-            <a:schemeClr val="accent1"/>
-          </a:effectRef>
-          <a:fontRef idx="minor">
-            <a:schemeClr val="lt1"/>
-          </a:fontRef>
-        </p:style>
-        <p:txBody>
-          <a:bodyPr rtlCol="0" anchor="ctr"/>
-          <a:lstStyle/>
-          <a:p>
-            <a:pPr algn="ctr"/>
-            <a:r>
-              <a:rPr lang="en-US" dirty="0" smtClean="0"/>
-              <a:t>Wedges</a:t>
-            </a:r>
-            <a:endParaRPr lang="en-US" dirty="0"/>
-          </a:p>
-        </p:txBody>
-      </p:sp>
-      <p:sp>
-        <p:nvSpPr>
-          <p:cNvPr id="139" name="Rounded Rectangle 138"/>
-          <p:cNvSpPr/>
-          <p:nvPr/>
-        </p:nvSpPr>
-        <p:spPr>
-          <a:xfrm>
-            <a:off x="3056394" y="5459265"/>
-            <a:ext cx="1787596" cy="1014844"/>
-          </a:xfrm>
-          <a:prstGeom prst="roundRect">
-            <a:avLst/>
-          </a:prstGeom>
-        </p:spPr>
-        <p:style>
-          <a:lnRef idx="2">
-            <a:schemeClr val="accent1">
-              <a:shade val="50000"/>
-            </a:schemeClr>
-          </a:lnRef>
-          <a:fillRef idx="1">
-            <a:schemeClr val="accent1"/>
-          </a:fillRef>
-          <a:effectRef idx="0">
-            <a:schemeClr val="accent1"/>
-          </a:effectRef>
-          <a:fontRef idx="minor">
-            <a:schemeClr val="lt1"/>
-          </a:fontRef>
-        </p:style>
-        <p:txBody>
-          <a:bodyPr rtlCol="0" anchor="ctr"/>
-          <a:lstStyle/>
-          <a:p>
-            <a:pPr algn="ctr"/>
-            <a:r>
-              <a:rPr lang="en-US" dirty="0" smtClean="0"/>
-              <a:t>Power Screws</a:t>
-            </a:r>
-            <a:endParaRPr lang="en-US" dirty="0"/>
-          </a:p>
-        </p:txBody>
-      </p:sp>
-      <p:sp>
-        <p:nvSpPr>
-          <p:cNvPr id="140" name="Rounded Rectangle 139"/>
-          <p:cNvSpPr/>
-          <p:nvPr/>
-        </p:nvSpPr>
-        <p:spPr>
-          <a:xfrm>
-            <a:off x="5269166" y="4041477"/>
-            <a:ext cx="1787596" cy="1014844"/>
-          </a:xfrm>
-          <a:prstGeom prst="roundRect">
-            <a:avLst/>
-          </a:prstGeom>
-        </p:spPr>
-        <p:style>
-          <a:lnRef idx="2">
-            <a:schemeClr val="accent1">
-              <a:shade val="50000"/>
-            </a:schemeClr>
-          </a:lnRef>
-          <a:fillRef idx="1">
-            <a:schemeClr val="accent1"/>
-          </a:fillRef>
-          <a:effectRef idx="0">
-            <a:schemeClr val="accent1"/>
-          </a:effectRef>
-          <a:fontRef idx="minor">
-            <a:schemeClr val="lt1"/>
-          </a:fontRef>
-        </p:style>
-        <p:txBody>
-          <a:bodyPr rtlCol="0" anchor="ctr"/>
-          <a:lstStyle/>
-          <a:p>
-            <a:pPr algn="ctr"/>
-            <a:r>
-              <a:rPr lang="en-US" dirty="0" smtClean="0"/>
-              <a:t>Bearing Friction</a:t>
-            </a:r>
-            <a:endParaRPr lang="en-US" dirty="0"/>
-          </a:p>
-        </p:txBody>
-      </p:sp>
-      <p:sp>
-        <p:nvSpPr>
-          <p:cNvPr id="141" name="Rounded Rectangle 140"/>
-          <p:cNvSpPr/>
-          <p:nvPr/>
-        </p:nvSpPr>
-        <p:spPr>
-          <a:xfrm>
-            <a:off x="7481938" y="4041477"/>
-            <a:ext cx="1787596" cy="1014844"/>
-          </a:xfrm>
-          <a:prstGeom prst="roundRect">
-            <a:avLst/>
-          </a:prstGeom>
-        </p:spPr>
-        <p:style>
-          <a:lnRef idx="2">
-            <a:schemeClr val="accent1">
-              <a:shade val="50000"/>
-            </a:schemeClr>
-          </a:lnRef>
-          <a:fillRef idx="1">
-            <a:schemeClr val="accent1"/>
-          </a:fillRef>
-          <a:effectRef idx="0">
-            <a:schemeClr val="accent1"/>
-          </a:effectRef>
-          <a:fontRef idx="minor">
-            <a:schemeClr val="lt1"/>
-          </a:fontRef>
-        </p:style>
-        <p:txBody>
-          <a:bodyPr rtlCol="0" anchor="ctr"/>
-          <a:lstStyle/>
-          <a:p>
-            <a:pPr algn="ctr"/>
-            <a:r>
-              <a:rPr lang="en-US" dirty="0" smtClean="0"/>
-              <a:t>Disc Friction</a:t>
-            </a:r>
-            <a:endParaRPr lang="en-US" dirty="0"/>
-          </a:p>
-        </p:txBody>
-      </p:sp>
-      <p:sp>
-        <p:nvSpPr>
-          <p:cNvPr id="142" name="Rounded Rectangle 141"/>
-          <p:cNvSpPr/>
-          <p:nvPr/>
-        </p:nvSpPr>
-        <p:spPr>
-          <a:xfrm>
-            <a:off x="9694710" y="4041477"/>
-            <a:ext cx="1787596" cy="1014844"/>
-          </a:xfrm>
-          <a:prstGeom prst="roundRect">
-            <a:avLst/>
-          </a:prstGeom>
-        </p:spPr>
-        <p:style>
-          <a:lnRef idx="2">
-            <a:schemeClr val="accent1">
-              <a:shade val="50000"/>
-            </a:schemeClr>
-          </a:lnRef>
-          <a:fillRef idx="1">
-            <a:schemeClr val="accent1"/>
-          </a:fillRef>
-          <a:effectRef idx="0">
-            <a:schemeClr val="accent1"/>
-          </a:effectRef>
-          <a:fontRef idx="minor">
-            <a:schemeClr val="lt1"/>
-          </a:fontRef>
-        </p:style>
-        <p:txBody>
-          <a:bodyPr rtlCol="0" anchor="ctr"/>
-          <a:lstStyle/>
-          <a:p>
-            <a:pPr algn="ctr"/>
-            <a:r>
-              <a:rPr lang="en-US" dirty="0" smtClean="0"/>
-              <a:t>Belt Friction</a:t>
-            </a:r>
-            <a:endParaRPr lang="en-US" dirty="0"/>
-          </a:p>
-        </p:txBody>
-      </p:sp>
-      <p:cxnSp>
-        <p:nvCxnSpPr>
-          <p:cNvPr id="143" name="Straight Arrow Connector 142"/>
-          <p:cNvCxnSpPr>
-            <a:stCxn id="91" idx="2"/>
-            <a:endCxn id="136" idx="0"/>
-          </p:cNvCxnSpPr>
-          <p:nvPr/>
-        </p:nvCxnSpPr>
-        <p:spPr>
-          <a:xfrm flipH="1">
-            <a:off x="1737420" y="3116690"/>
-            <a:ext cx="4425545" cy="924787"/>
+            <a:off x="4122413" y="2345072"/>
+            <a:ext cx="0" cy="938838"/>
           </a:xfrm>
           <a:prstGeom prst="straightConnector1">
             <a:avLst/>
@@ -3439,17 +3451,17 @@
       </p:cxnSp>
       <p:cxnSp>
         <p:nvCxnSpPr>
-          <p:cNvPr id="146" name="Straight Arrow Connector 145"/>
+          <p:cNvPr id="99" name="Straight Arrow Connector 98"/>
           <p:cNvCxnSpPr>
-            <a:stCxn id="91" idx="2"/>
-            <a:endCxn id="138" idx="0"/>
+            <a:stCxn id="25" idx="2"/>
+            <a:endCxn id="88" idx="0"/>
           </p:cNvCxnSpPr>
           <p:nvPr/>
         </p:nvCxnSpPr>
         <p:spPr>
-          <a:xfrm flipH="1">
-            <a:off x="3950192" y="3116690"/>
-            <a:ext cx="2212773" cy="924787"/>
+          <a:xfrm>
+            <a:off x="4122413" y="2345072"/>
+            <a:ext cx="4110543" cy="938838"/>
           </a:xfrm>
           <a:prstGeom prst="straightConnector1">
             <a:avLst/>
@@ -3475,17 +3487,17 @@
       </p:cxnSp>
       <p:cxnSp>
         <p:nvCxnSpPr>
-          <p:cNvPr id="149" name="Straight Arrow Connector 148"/>
+          <p:cNvPr id="102" name="Straight Arrow Connector 101"/>
           <p:cNvCxnSpPr>
-            <a:stCxn id="91" idx="2"/>
-            <a:endCxn id="140" idx="0"/>
+            <a:stCxn id="92" idx="2"/>
+            <a:endCxn id="88" idx="0"/>
           </p:cNvCxnSpPr>
           <p:nvPr/>
         </p:nvCxnSpPr>
         <p:spPr>
-          <a:xfrm flipH="1">
-            <a:off x="6162964" y="3116690"/>
-            <a:ext cx="1" cy="924787"/>
+          <a:xfrm>
+            <a:off x="8232956" y="2345072"/>
+            <a:ext cx="0" cy="938838"/>
           </a:xfrm>
           <a:prstGeom prst="straightConnector1">
             <a:avLst/>
@@ -3511,17 +3523,17 @@
       </p:cxnSp>
       <p:cxnSp>
         <p:nvCxnSpPr>
-          <p:cNvPr id="152" name="Straight Arrow Connector 151"/>
+          <p:cNvPr id="105" name="Straight Arrow Connector 104"/>
           <p:cNvCxnSpPr>
-            <a:stCxn id="91" idx="2"/>
-            <a:endCxn id="141" idx="0"/>
+            <a:stCxn id="92" idx="2"/>
+            <a:endCxn id="87" idx="0"/>
           </p:cNvCxnSpPr>
           <p:nvPr/>
         </p:nvCxnSpPr>
         <p:spPr>
-          <a:xfrm>
-            <a:off x="6162965" y="3116690"/>
-            <a:ext cx="2212771" cy="924787"/>
+          <a:xfrm flipH="1">
+            <a:off x="4122413" y="2345072"/>
+            <a:ext cx="4110543" cy="938838"/>
           </a:xfrm>
           <a:prstGeom prst="straightConnector1">
             <a:avLst/>
@@ -3547,17 +3559,17 @@
       </p:cxnSp>
       <p:cxnSp>
         <p:nvCxnSpPr>
-          <p:cNvPr id="155" name="Straight Arrow Connector 154"/>
+          <p:cNvPr id="108" name="Straight Arrow Connector 107"/>
           <p:cNvCxnSpPr>
-            <a:stCxn id="91" idx="2"/>
-            <a:endCxn id="142" idx="0"/>
+            <a:stCxn id="87" idx="2"/>
+            <a:endCxn id="89" idx="0"/>
           </p:cNvCxnSpPr>
           <p:nvPr/>
         </p:nvCxnSpPr>
         <p:spPr>
-          <a:xfrm>
-            <a:off x="6162965" y="3116690"/>
-            <a:ext cx="4425543" cy="924787"/>
+          <a:xfrm flipH="1">
+            <a:off x="2898595" y="4298754"/>
+            <a:ext cx="1223818" cy="1118948"/>
           </a:xfrm>
           <a:prstGeom prst="straightConnector1">
             <a:avLst/>
@@ -3583,17 +3595,17 @@
       </p:cxnSp>
       <p:cxnSp>
         <p:nvCxnSpPr>
-          <p:cNvPr id="158" name="Straight Arrow Connector 157"/>
+          <p:cNvPr id="111" name="Straight Arrow Connector 110"/>
           <p:cNvCxnSpPr>
-            <a:stCxn id="138" idx="2"/>
-            <a:endCxn id="139" idx="0"/>
+            <a:stCxn id="87" idx="2"/>
+            <a:endCxn id="90" idx="0"/>
           </p:cNvCxnSpPr>
           <p:nvPr/>
         </p:nvCxnSpPr>
         <p:spPr>
           <a:xfrm>
-            <a:off x="3950192" y="5056321"/>
-            <a:ext cx="0" cy="402944"/>
+            <a:off x="4122413" y="4298754"/>
+            <a:ext cx="1290782" cy="1118948"/>
           </a:xfrm>
           <a:prstGeom prst="straightConnector1">
             <a:avLst/>
@@ -3619,17 +3631,161 @@
       </p:cxnSp>
       <p:cxnSp>
         <p:nvCxnSpPr>
-          <p:cNvPr id="161" name="Straight Arrow Connector 160"/>
+          <p:cNvPr id="114" name="Straight Arrow Connector 113"/>
           <p:cNvCxnSpPr>
-            <a:stCxn id="137" idx="2"/>
-            <a:endCxn id="136" idx="0"/>
+            <a:stCxn id="88" idx="2"/>
+            <a:endCxn id="91" idx="0"/>
           </p:cNvCxnSpPr>
           <p:nvPr/>
         </p:nvCxnSpPr>
         <p:spPr>
           <a:xfrm>
-            <a:off x="1737420" y="3278906"/>
-            <a:ext cx="0" cy="762571"/>
+            <a:off x="8232956" y="4298754"/>
+            <a:ext cx="0" cy="1118948"/>
+          </a:xfrm>
+          <a:prstGeom prst="straightConnector1">
+            <a:avLst/>
+          </a:prstGeom>
+          <a:ln w="38100">
+            <a:tailEnd type="triangle"/>
+          </a:ln>
+        </p:spPr>
+        <p:style>
+          <a:lnRef idx="3">
+            <a:schemeClr val="dk1"/>
+          </a:lnRef>
+          <a:fillRef idx="0">
+            <a:schemeClr val="dk1"/>
+          </a:fillRef>
+          <a:effectRef idx="2">
+            <a:schemeClr val="dk1"/>
+          </a:effectRef>
+          <a:fontRef idx="minor">
+            <a:schemeClr val="tx1"/>
+          </a:fontRef>
+        </p:style>
+      </p:cxnSp>
+      <p:cxnSp>
+        <p:nvCxnSpPr>
+          <p:cNvPr id="117" name="Straight Arrow Connector 116"/>
+          <p:cNvCxnSpPr>
+            <a:stCxn id="94" idx="2"/>
+            <a:endCxn id="90" idx="0"/>
+          </p:cNvCxnSpPr>
+          <p:nvPr/>
+        </p:nvCxnSpPr>
+        <p:spPr>
+          <a:xfrm flipH="1">
+            <a:off x="5413195" y="4655994"/>
+            <a:ext cx="5315328" cy="761708"/>
+          </a:xfrm>
+          <a:prstGeom prst="straightConnector1">
+            <a:avLst/>
+          </a:prstGeom>
+          <a:ln w="38100">
+            <a:tailEnd type="triangle"/>
+          </a:ln>
+        </p:spPr>
+        <p:style>
+          <a:lnRef idx="3">
+            <a:schemeClr val="dk1"/>
+          </a:lnRef>
+          <a:fillRef idx="0">
+            <a:schemeClr val="dk1"/>
+          </a:fillRef>
+          <a:effectRef idx="2">
+            <a:schemeClr val="dk1"/>
+          </a:effectRef>
+          <a:fontRef idx="minor">
+            <a:schemeClr val="tx1"/>
+          </a:fontRef>
+        </p:style>
+      </p:cxnSp>
+      <p:cxnSp>
+        <p:nvCxnSpPr>
+          <p:cNvPr id="118" name="Straight Arrow Connector 117"/>
+          <p:cNvCxnSpPr>
+            <a:stCxn id="93" idx="2"/>
+            <a:endCxn id="89" idx="0"/>
+          </p:cNvCxnSpPr>
+          <p:nvPr/>
+        </p:nvCxnSpPr>
+        <p:spPr>
+          <a:xfrm>
+            <a:off x="1335646" y="4567429"/>
+            <a:ext cx="1562949" cy="850273"/>
+          </a:xfrm>
+          <a:prstGeom prst="straightConnector1">
+            <a:avLst/>
+          </a:prstGeom>
+          <a:ln w="38100">
+            <a:tailEnd type="triangle"/>
+          </a:ln>
+        </p:spPr>
+        <p:style>
+          <a:lnRef idx="3">
+            <a:schemeClr val="dk1"/>
+          </a:lnRef>
+          <a:fillRef idx="0">
+            <a:schemeClr val="dk1"/>
+          </a:fillRef>
+          <a:effectRef idx="2">
+            <a:schemeClr val="dk1"/>
+          </a:effectRef>
+          <a:fontRef idx="minor">
+            <a:schemeClr val="tx1"/>
+          </a:fontRef>
+        </p:style>
+      </p:cxnSp>
+      <p:cxnSp>
+        <p:nvCxnSpPr>
+          <p:cNvPr id="123" name="Straight Arrow Connector 122"/>
+          <p:cNvCxnSpPr>
+            <a:stCxn id="94" idx="2"/>
+            <a:endCxn id="91" idx="0"/>
+          </p:cNvCxnSpPr>
+          <p:nvPr/>
+        </p:nvCxnSpPr>
+        <p:spPr>
+          <a:xfrm flipH="1">
+            <a:off x="8232956" y="4655994"/>
+            <a:ext cx="2495567" cy="761708"/>
+          </a:xfrm>
+          <a:prstGeom prst="straightConnector1">
+            <a:avLst/>
+          </a:prstGeom>
+          <a:ln w="38100">
+            <a:tailEnd type="triangle"/>
+          </a:ln>
+        </p:spPr>
+        <p:style>
+          <a:lnRef idx="3">
+            <a:schemeClr val="dk1"/>
+          </a:lnRef>
+          <a:fillRef idx="0">
+            <a:schemeClr val="dk1"/>
+          </a:fillRef>
+          <a:effectRef idx="2">
+            <a:schemeClr val="dk1"/>
+          </a:effectRef>
+          <a:fontRef idx="minor">
+            <a:schemeClr val="tx1"/>
+          </a:fontRef>
+        </p:style>
+      </p:cxnSp>
+      <p:cxnSp>
+        <p:nvCxnSpPr>
+          <p:cNvPr id="126" name="Straight Arrow Connector 125"/>
+          <p:cNvCxnSpPr>
+            <a:stCxn id="95" idx="1"/>
+            <a:endCxn id="91" idx="3"/>
+          </p:cNvCxnSpPr>
+          <p:nvPr/>
+        </p:nvCxnSpPr>
+        <p:spPr>
+          <a:xfrm flipH="1">
+            <a:off x="9126754" y="5925124"/>
+            <a:ext cx="800999" cy="0"/>
           </a:xfrm>
           <a:prstGeom prst="straightConnector1">
             <a:avLst/>
@@ -3697,7 +3853,7 @@
                                           </p:stCondLst>
                                         </p:cTn>
                                         <p:tgtEl>
-                                          <p:spTgt spid="91"/>
+                                          <p:spTgt spid="25"/>
                                         </p:tgtEl>
                                         <p:attrNameLst>
                                           <p:attrName>style.visibility</p:attrName>
@@ -3711,7 +3867,7 @@
                                       <p:cBhvr>
                                         <p:cTn id="7" dur="500"/>
                                         <p:tgtEl>
-                                          <p:spTgt spid="91"/>
+                                          <p:spTgt spid="25"/>
                                         </p:tgtEl>
                                       </p:cBhvr>
                                     </p:animEffect>
@@ -3750,7 +3906,7 @@
                                           </p:stCondLst>
                                         </p:cTn>
                                         <p:tgtEl>
-                                          <p:spTgt spid="126"/>
+                                          <p:spTgt spid="96"/>
                                         </p:tgtEl>
                                         <p:attrNameLst>
                                           <p:attrName>style.visibility</p:attrName>
@@ -3764,7 +3920,7 @@
                                       <p:cBhvr>
                                         <p:cTn id="12" dur="500"/>
                                         <p:tgtEl>
-                                          <p:spTgt spid="126"/>
+                                          <p:spTgt spid="96"/>
                                         </p:tgtEl>
                                       </p:cBhvr>
                                     </p:animEffect>
@@ -3785,7 +3941,7 @@
                                           </p:stCondLst>
                                         </p:cTn>
                                         <p:tgtEl>
-                                          <p:spTgt spid="95"/>
+                                          <p:spTgt spid="87"/>
                                         </p:tgtEl>
                                         <p:attrNameLst>
                                           <p:attrName>style.visibility</p:attrName>
@@ -3799,7 +3955,7 @@
                                       <p:cBhvr>
                                         <p:cTn id="15" dur="500"/>
                                         <p:tgtEl>
-                                          <p:spTgt spid="95"/>
+                                          <p:spTgt spid="87"/>
                                         </p:tgtEl>
                                       </p:cBhvr>
                                     </p:animEffect>
@@ -3838,7 +3994,7 @@
                                           </p:stCondLst>
                                         </p:cTn>
                                         <p:tgtEl>
-                                          <p:spTgt spid="143"/>
+                                          <p:spTgt spid="99"/>
                                         </p:tgtEl>
                                         <p:attrNameLst>
                                           <p:attrName>style.visibility</p:attrName>
@@ -3852,7 +4008,7 @@
                                       <p:cBhvr>
                                         <p:cTn id="20" dur="500"/>
                                         <p:tgtEl>
-                                          <p:spTgt spid="143"/>
+                                          <p:spTgt spid="99"/>
                                         </p:tgtEl>
                                       </p:cBhvr>
                                     </p:animEffect>
@@ -3873,7 +4029,7 @@
                                           </p:stCondLst>
                                         </p:cTn>
                                         <p:tgtEl>
-                                          <p:spTgt spid="136"/>
+                                          <p:spTgt spid="88"/>
                                         </p:tgtEl>
                                         <p:attrNameLst>
                                           <p:attrName>style.visibility</p:attrName>
@@ -3887,7 +4043,7 @@
                                       <p:cBhvr>
                                         <p:cTn id="23" dur="500"/>
                                         <p:tgtEl>
-                                          <p:spTgt spid="136"/>
+                                          <p:spTgt spid="88"/>
                                         </p:tgtEl>
                                       </p:cBhvr>
                                     </p:animEffect>
@@ -3913,7 +4069,7 @@
                             </p:stCondLst>
                             <p:childTnLst>
                               <p:par>
-                                <p:cTn id="26" presetID="10" presetClass="entr" presetSubtype="0" fill="hold" grpId="0" nodeType="clickEffect">
+                                <p:cTn id="26" presetID="10" presetClass="entr" presetSubtype="0" fill="hold" nodeType="clickEffect">
                                   <p:stCondLst>
                                     <p:cond delay="0"/>
                                   </p:stCondLst>
@@ -3926,7 +4082,7 @@
                                           </p:stCondLst>
                                         </p:cTn>
                                         <p:tgtEl>
-                                          <p:spTgt spid="137"/>
+                                          <p:spTgt spid="105"/>
                                         </p:tgtEl>
                                         <p:attrNameLst>
                                           <p:attrName>style.visibility</p:attrName>
@@ -3940,7 +4096,7 @@
                                       <p:cBhvr>
                                         <p:cTn id="28" dur="500"/>
                                         <p:tgtEl>
-                                          <p:spTgt spid="137"/>
+                                          <p:spTgt spid="105"/>
                                         </p:tgtEl>
                                       </p:cBhvr>
                                     </p:animEffect>
@@ -3961,7 +4117,7 @@
                                           </p:stCondLst>
                                         </p:cTn>
                                         <p:tgtEl>
-                                          <p:spTgt spid="161"/>
+                                          <p:spTgt spid="102"/>
                                         </p:tgtEl>
                                         <p:attrNameLst>
                                           <p:attrName>style.visibility</p:attrName>
@@ -3975,7 +4131,42 @@
                                       <p:cBhvr>
                                         <p:cTn id="31" dur="500"/>
                                         <p:tgtEl>
-                                          <p:spTgt spid="161"/>
+                                          <p:spTgt spid="102"/>
+                                        </p:tgtEl>
+                                      </p:cBhvr>
+                                    </p:animEffect>
+                                  </p:childTnLst>
+                                </p:cTn>
+                              </p:par>
+                              <p:par>
+                                <p:cTn id="32" presetID="10" presetClass="entr" presetSubtype="0" fill="hold" grpId="0" nodeType="withEffect">
+                                  <p:stCondLst>
+                                    <p:cond delay="0"/>
+                                  </p:stCondLst>
+                                  <p:childTnLst>
+                                    <p:set>
+                                      <p:cBhvr>
+                                        <p:cTn id="33" dur="1" fill="hold">
+                                          <p:stCondLst>
+                                            <p:cond delay="0"/>
+                                          </p:stCondLst>
+                                        </p:cTn>
+                                        <p:tgtEl>
+                                          <p:spTgt spid="92"/>
+                                        </p:tgtEl>
+                                        <p:attrNameLst>
+                                          <p:attrName>style.visibility</p:attrName>
+                                        </p:attrNameLst>
+                                      </p:cBhvr>
+                                      <p:to>
+                                        <p:strVal val="visible"/>
+                                      </p:to>
+                                    </p:set>
+                                    <p:animEffect transition="in" filter="fade">
+                                      <p:cBhvr>
+                                        <p:cTn id="34" dur="500"/>
+                                        <p:tgtEl>
+                                          <p:spTgt spid="92"/>
                                         </p:tgtEl>
                                       </p:cBhvr>
                                     </p:animEffect>
@@ -3989,54 +4180,19 @@
                     </p:cTn>
                   </p:par>
                   <p:par>
-                    <p:cTn id="32" fill="hold">
+                    <p:cTn id="35" fill="hold">
                       <p:stCondLst>
                         <p:cond delay="indefinite"/>
                       </p:stCondLst>
                       <p:childTnLst>
                         <p:par>
-                          <p:cTn id="33" fill="hold">
+                          <p:cTn id="36" fill="hold">
                             <p:stCondLst>
                               <p:cond delay="0"/>
                             </p:stCondLst>
                             <p:childTnLst>
                               <p:par>
-                                <p:cTn id="34" presetID="10" presetClass="entr" presetSubtype="0" fill="hold" grpId="0" nodeType="clickEffect">
-                                  <p:stCondLst>
-                                    <p:cond delay="0"/>
-                                  </p:stCondLst>
-                                  <p:childTnLst>
-                                    <p:set>
-                                      <p:cBhvr>
-                                        <p:cTn id="35" dur="1" fill="hold">
-                                          <p:stCondLst>
-                                            <p:cond delay="0"/>
-                                          </p:stCondLst>
-                                        </p:cTn>
-                                        <p:tgtEl>
-                                          <p:spTgt spid="138"/>
-                                        </p:tgtEl>
-                                        <p:attrNameLst>
-                                          <p:attrName>style.visibility</p:attrName>
-                                        </p:attrNameLst>
-                                      </p:cBhvr>
-                                      <p:to>
-                                        <p:strVal val="visible"/>
-                                      </p:to>
-                                    </p:set>
-                                    <p:animEffect transition="in" filter="fade">
-                                      <p:cBhvr>
-                                        <p:cTn id="36" dur="500"/>
-                                        <p:tgtEl>
-                                          <p:spTgt spid="138"/>
-                                        </p:tgtEl>
-                                      </p:cBhvr>
-                                    </p:animEffect>
-                                  </p:childTnLst>
-                                </p:cTn>
-                              </p:par>
-                              <p:par>
-                                <p:cTn id="37" presetID="10" presetClass="entr" presetSubtype="0" fill="hold" nodeType="withEffect">
+                                <p:cTn id="37" presetID="10" presetClass="entr" presetSubtype="0" fill="hold" nodeType="clickEffect">
                                   <p:stCondLst>
                                     <p:cond delay="0"/>
                                   </p:stCondLst>
@@ -4049,7 +4205,7 @@
                                           </p:stCondLst>
                                         </p:cTn>
                                         <p:tgtEl>
-                                          <p:spTgt spid="146"/>
+                                          <p:spTgt spid="108"/>
                                         </p:tgtEl>
                                         <p:attrNameLst>
                                           <p:attrName>style.visibility</p:attrName>
@@ -4063,7 +4219,42 @@
                                       <p:cBhvr>
                                         <p:cTn id="39" dur="500"/>
                                         <p:tgtEl>
-                                          <p:spTgt spid="146"/>
+                                          <p:spTgt spid="108"/>
+                                        </p:tgtEl>
+                                      </p:cBhvr>
+                                    </p:animEffect>
+                                  </p:childTnLst>
+                                </p:cTn>
+                              </p:par>
+                              <p:par>
+                                <p:cTn id="40" presetID="10" presetClass="entr" presetSubtype="0" fill="hold" grpId="0" nodeType="withEffect">
+                                  <p:stCondLst>
+                                    <p:cond delay="0"/>
+                                  </p:stCondLst>
+                                  <p:childTnLst>
+                                    <p:set>
+                                      <p:cBhvr>
+                                        <p:cTn id="41" dur="1" fill="hold">
+                                          <p:stCondLst>
+                                            <p:cond delay="0"/>
+                                          </p:stCondLst>
+                                        </p:cTn>
+                                        <p:tgtEl>
+                                          <p:spTgt spid="89"/>
+                                        </p:tgtEl>
+                                        <p:attrNameLst>
+                                          <p:attrName>style.visibility</p:attrName>
+                                        </p:attrNameLst>
+                                      </p:cBhvr>
+                                      <p:to>
+                                        <p:strVal val="visible"/>
+                                      </p:to>
+                                    </p:set>
+                                    <p:animEffect transition="in" filter="fade">
+                                      <p:cBhvr>
+                                        <p:cTn id="42" dur="500"/>
+                                        <p:tgtEl>
+                                          <p:spTgt spid="89"/>
                                         </p:tgtEl>
                                       </p:cBhvr>
                                     </p:animEffect>
@@ -4077,54 +4268,19 @@
                     </p:cTn>
                   </p:par>
                   <p:par>
-                    <p:cTn id="40" fill="hold">
+                    <p:cTn id="43" fill="hold">
                       <p:stCondLst>
                         <p:cond delay="indefinite"/>
                       </p:stCondLst>
                       <p:childTnLst>
                         <p:par>
-                          <p:cTn id="41" fill="hold">
+                          <p:cTn id="44" fill="hold">
                             <p:stCondLst>
                               <p:cond delay="0"/>
                             </p:stCondLst>
                             <p:childTnLst>
                               <p:par>
-                                <p:cTn id="42" presetID="10" presetClass="entr" presetSubtype="0" fill="hold" nodeType="clickEffect">
-                                  <p:stCondLst>
-                                    <p:cond delay="0"/>
-                                  </p:stCondLst>
-                                  <p:childTnLst>
-                                    <p:set>
-                                      <p:cBhvr>
-                                        <p:cTn id="43" dur="1" fill="hold">
-                                          <p:stCondLst>
-                                            <p:cond delay="0"/>
-                                          </p:stCondLst>
-                                        </p:cTn>
-                                        <p:tgtEl>
-                                          <p:spTgt spid="158"/>
-                                        </p:tgtEl>
-                                        <p:attrNameLst>
-                                          <p:attrName>style.visibility</p:attrName>
-                                        </p:attrNameLst>
-                                      </p:cBhvr>
-                                      <p:to>
-                                        <p:strVal val="visible"/>
-                                      </p:to>
-                                    </p:set>
-                                    <p:animEffect transition="in" filter="fade">
-                                      <p:cBhvr>
-                                        <p:cTn id="44" dur="500"/>
-                                        <p:tgtEl>
-                                          <p:spTgt spid="158"/>
-                                        </p:tgtEl>
-                                      </p:cBhvr>
-                                    </p:animEffect>
-                                  </p:childTnLst>
-                                </p:cTn>
-                              </p:par>
-                              <p:par>
-                                <p:cTn id="45" presetID="10" presetClass="entr" presetSubtype="0" fill="hold" grpId="0" nodeType="withEffect">
+                                <p:cTn id="45" presetID="10" presetClass="entr" presetSubtype="0" fill="hold" nodeType="clickEffect">
                                   <p:stCondLst>
                                     <p:cond delay="0"/>
                                   </p:stCondLst>
@@ -4137,7 +4293,7 @@
                                           </p:stCondLst>
                                         </p:cTn>
                                         <p:tgtEl>
-                                          <p:spTgt spid="139"/>
+                                          <p:spTgt spid="118"/>
                                         </p:tgtEl>
                                         <p:attrNameLst>
                                           <p:attrName>style.visibility</p:attrName>
@@ -4151,7 +4307,42 @@
                                       <p:cBhvr>
                                         <p:cTn id="47" dur="500"/>
                                         <p:tgtEl>
-                                          <p:spTgt spid="139"/>
+                                          <p:spTgt spid="118"/>
+                                        </p:tgtEl>
+                                      </p:cBhvr>
+                                    </p:animEffect>
+                                  </p:childTnLst>
+                                </p:cTn>
+                              </p:par>
+                              <p:par>
+                                <p:cTn id="48" presetID="10" presetClass="entr" presetSubtype="0" fill="hold" grpId="0" nodeType="withEffect">
+                                  <p:stCondLst>
+                                    <p:cond delay="0"/>
+                                  </p:stCondLst>
+                                  <p:childTnLst>
+                                    <p:set>
+                                      <p:cBhvr>
+                                        <p:cTn id="49" dur="1" fill="hold">
+                                          <p:stCondLst>
+                                            <p:cond delay="0"/>
+                                          </p:stCondLst>
+                                        </p:cTn>
+                                        <p:tgtEl>
+                                          <p:spTgt spid="93"/>
+                                        </p:tgtEl>
+                                        <p:attrNameLst>
+                                          <p:attrName>style.visibility</p:attrName>
+                                        </p:attrNameLst>
+                                      </p:cBhvr>
+                                      <p:to>
+                                        <p:strVal val="visible"/>
+                                      </p:to>
+                                    </p:set>
+                                    <p:animEffect transition="in" filter="fade">
+                                      <p:cBhvr>
+                                        <p:cTn id="50" dur="500"/>
+                                        <p:tgtEl>
+                                          <p:spTgt spid="93"/>
                                         </p:tgtEl>
                                       </p:cBhvr>
                                     </p:animEffect>
@@ -4165,54 +4356,19 @@
                     </p:cTn>
                   </p:par>
                   <p:par>
-                    <p:cTn id="48" fill="hold">
+                    <p:cTn id="51" fill="hold">
                       <p:stCondLst>
                         <p:cond delay="indefinite"/>
                       </p:stCondLst>
                       <p:childTnLst>
                         <p:par>
-                          <p:cTn id="49" fill="hold">
+                          <p:cTn id="52" fill="hold">
                             <p:stCondLst>
                               <p:cond delay="0"/>
                             </p:stCondLst>
                             <p:childTnLst>
                               <p:par>
-                                <p:cTn id="50" presetID="10" presetClass="entr" presetSubtype="0" fill="hold" nodeType="clickEffect">
-                                  <p:stCondLst>
-                                    <p:cond delay="0"/>
-                                  </p:stCondLst>
-                                  <p:childTnLst>
-                                    <p:set>
-                                      <p:cBhvr>
-                                        <p:cTn id="51" dur="1" fill="hold">
-                                          <p:stCondLst>
-                                            <p:cond delay="0"/>
-                                          </p:stCondLst>
-                                        </p:cTn>
-                                        <p:tgtEl>
-                                          <p:spTgt spid="149"/>
-                                        </p:tgtEl>
-                                        <p:attrNameLst>
-                                          <p:attrName>style.visibility</p:attrName>
-                                        </p:attrNameLst>
-                                      </p:cBhvr>
-                                      <p:to>
-                                        <p:strVal val="visible"/>
-                                      </p:to>
-                                    </p:set>
-                                    <p:animEffect transition="in" filter="fade">
-                                      <p:cBhvr>
-                                        <p:cTn id="52" dur="500"/>
-                                        <p:tgtEl>
-                                          <p:spTgt spid="149"/>
-                                        </p:tgtEl>
-                                      </p:cBhvr>
-                                    </p:animEffect>
-                                  </p:childTnLst>
-                                </p:cTn>
-                              </p:par>
-                              <p:par>
-                                <p:cTn id="53" presetID="10" presetClass="entr" presetSubtype="0" fill="hold" grpId="0" nodeType="withEffect">
+                                <p:cTn id="53" presetID="10" presetClass="entr" presetSubtype="0" fill="hold" nodeType="clickEffect">
                                   <p:stCondLst>
                                     <p:cond delay="0"/>
                                   </p:stCondLst>
@@ -4225,7 +4381,7 @@
                                           </p:stCondLst>
                                         </p:cTn>
                                         <p:tgtEl>
-                                          <p:spTgt spid="140"/>
+                                          <p:spTgt spid="111"/>
                                         </p:tgtEl>
                                         <p:attrNameLst>
                                           <p:attrName>style.visibility</p:attrName>
@@ -4239,7 +4395,42 @@
                                       <p:cBhvr>
                                         <p:cTn id="55" dur="500"/>
                                         <p:tgtEl>
-                                          <p:spTgt spid="140"/>
+                                          <p:spTgt spid="111"/>
+                                        </p:tgtEl>
+                                      </p:cBhvr>
+                                    </p:animEffect>
+                                  </p:childTnLst>
+                                </p:cTn>
+                              </p:par>
+                              <p:par>
+                                <p:cTn id="56" presetID="10" presetClass="entr" presetSubtype="0" fill="hold" grpId="0" nodeType="withEffect">
+                                  <p:stCondLst>
+                                    <p:cond delay="0"/>
+                                  </p:stCondLst>
+                                  <p:childTnLst>
+                                    <p:set>
+                                      <p:cBhvr>
+                                        <p:cTn id="57" dur="1" fill="hold">
+                                          <p:stCondLst>
+                                            <p:cond delay="0"/>
+                                          </p:stCondLst>
+                                        </p:cTn>
+                                        <p:tgtEl>
+                                          <p:spTgt spid="90"/>
+                                        </p:tgtEl>
+                                        <p:attrNameLst>
+                                          <p:attrName>style.visibility</p:attrName>
+                                        </p:attrNameLst>
+                                      </p:cBhvr>
+                                      <p:to>
+                                        <p:strVal val="visible"/>
+                                      </p:to>
+                                    </p:set>
+                                    <p:animEffect transition="in" filter="fade">
+                                      <p:cBhvr>
+                                        <p:cTn id="58" dur="500"/>
+                                        <p:tgtEl>
+                                          <p:spTgt spid="90"/>
                                         </p:tgtEl>
                                       </p:cBhvr>
                                     </p:animEffect>
@@ -4253,54 +4444,19 @@
                     </p:cTn>
                   </p:par>
                   <p:par>
-                    <p:cTn id="56" fill="hold">
+                    <p:cTn id="59" fill="hold">
                       <p:stCondLst>
                         <p:cond delay="indefinite"/>
                       </p:stCondLst>
                       <p:childTnLst>
                         <p:par>
-                          <p:cTn id="57" fill="hold">
+                          <p:cTn id="60" fill="hold">
                             <p:stCondLst>
                               <p:cond delay="0"/>
                             </p:stCondLst>
                             <p:childTnLst>
                               <p:par>
-                                <p:cTn id="58" presetID="10" presetClass="entr" presetSubtype="0" fill="hold" nodeType="clickEffect">
-                                  <p:stCondLst>
-                                    <p:cond delay="0"/>
-                                  </p:stCondLst>
-                                  <p:childTnLst>
-                                    <p:set>
-                                      <p:cBhvr>
-                                        <p:cTn id="59" dur="1" fill="hold">
-                                          <p:stCondLst>
-                                            <p:cond delay="0"/>
-                                          </p:stCondLst>
-                                        </p:cTn>
-                                        <p:tgtEl>
-                                          <p:spTgt spid="152"/>
-                                        </p:tgtEl>
-                                        <p:attrNameLst>
-                                          <p:attrName>style.visibility</p:attrName>
-                                        </p:attrNameLst>
-                                      </p:cBhvr>
-                                      <p:to>
-                                        <p:strVal val="visible"/>
-                                      </p:to>
-                                    </p:set>
-                                    <p:animEffect transition="in" filter="fade">
-                                      <p:cBhvr>
-                                        <p:cTn id="60" dur="500"/>
-                                        <p:tgtEl>
-                                          <p:spTgt spid="152"/>
-                                        </p:tgtEl>
-                                      </p:cBhvr>
-                                    </p:animEffect>
-                                  </p:childTnLst>
-                                </p:cTn>
-                              </p:par>
-                              <p:par>
-                                <p:cTn id="61" presetID="10" presetClass="entr" presetSubtype="0" fill="hold" grpId="0" nodeType="withEffect">
+                                <p:cTn id="61" presetID="10" presetClass="entr" presetSubtype="0" fill="hold" grpId="0" nodeType="clickEffect">
                                   <p:stCondLst>
                                     <p:cond delay="0"/>
                                   </p:stCondLst>
@@ -4313,7 +4469,7 @@
                                           </p:stCondLst>
                                         </p:cTn>
                                         <p:tgtEl>
-                                          <p:spTgt spid="141"/>
+                                          <p:spTgt spid="94"/>
                                         </p:tgtEl>
                                         <p:attrNameLst>
                                           <p:attrName>style.visibility</p:attrName>
@@ -4327,7 +4483,42 @@
                                       <p:cBhvr>
                                         <p:cTn id="63" dur="500"/>
                                         <p:tgtEl>
-                                          <p:spTgt spid="141"/>
+                                          <p:spTgt spid="94"/>
+                                        </p:tgtEl>
+                                      </p:cBhvr>
+                                    </p:animEffect>
+                                  </p:childTnLst>
+                                </p:cTn>
+                              </p:par>
+                              <p:par>
+                                <p:cTn id="64" presetID="10" presetClass="entr" presetSubtype="0" fill="hold" nodeType="withEffect">
+                                  <p:stCondLst>
+                                    <p:cond delay="0"/>
+                                  </p:stCondLst>
+                                  <p:childTnLst>
+                                    <p:set>
+                                      <p:cBhvr>
+                                        <p:cTn id="65" dur="1" fill="hold">
+                                          <p:stCondLst>
+                                            <p:cond delay="0"/>
+                                          </p:stCondLst>
+                                        </p:cTn>
+                                        <p:tgtEl>
+                                          <p:spTgt spid="117"/>
+                                        </p:tgtEl>
+                                        <p:attrNameLst>
+                                          <p:attrName>style.visibility</p:attrName>
+                                        </p:attrNameLst>
+                                      </p:cBhvr>
+                                      <p:to>
+                                        <p:strVal val="visible"/>
+                                      </p:to>
+                                    </p:set>
+                                    <p:animEffect transition="in" filter="fade">
+                                      <p:cBhvr>
+                                        <p:cTn id="66" dur="500"/>
+                                        <p:tgtEl>
+                                          <p:spTgt spid="117"/>
                                         </p:tgtEl>
                                       </p:cBhvr>
                                     </p:animEffect>
@@ -4341,54 +4532,19 @@
                     </p:cTn>
                   </p:par>
                   <p:par>
-                    <p:cTn id="64" fill="hold">
+                    <p:cTn id="67" fill="hold">
                       <p:stCondLst>
                         <p:cond delay="indefinite"/>
                       </p:stCondLst>
                       <p:childTnLst>
                         <p:par>
-                          <p:cTn id="65" fill="hold">
+                          <p:cTn id="68" fill="hold">
                             <p:stCondLst>
                               <p:cond delay="0"/>
                             </p:stCondLst>
                             <p:childTnLst>
                               <p:par>
-                                <p:cTn id="66" presetID="10" presetClass="entr" presetSubtype="0" fill="hold" nodeType="clickEffect">
-                                  <p:stCondLst>
-                                    <p:cond delay="0"/>
-                                  </p:stCondLst>
-                                  <p:childTnLst>
-                                    <p:set>
-                                      <p:cBhvr>
-                                        <p:cTn id="67" dur="1" fill="hold">
-                                          <p:stCondLst>
-                                            <p:cond delay="0"/>
-                                          </p:stCondLst>
-                                        </p:cTn>
-                                        <p:tgtEl>
-                                          <p:spTgt spid="155"/>
-                                        </p:tgtEl>
-                                        <p:attrNameLst>
-                                          <p:attrName>style.visibility</p:attrName>
-                                        </p:attrNameLst>
-                                      </p:cBhvr>
-                                      <p:to>
-                                        <p:strVal val="visible"/>
-                                      </p:to>
-                                    </p:set>
-                                    <p:animEffect transition="in" filter="fade">
-                                      <p:cBhvr>
-                                        <p:cTn id="68" dur="500"/>
-                                        <p:tgtEl>
-                                          <p:spTgt spid="155"/>
-                                        </p:tgtEl>
-                                      </p:cBhvr>
-                                    </p:animEffect>
-                                  </p:childTnLst>
-                                </p:cTn>
-                              </p:par>
-                              <p:par>
-                                <p:cTn id="69" presetID="10" presetClass="entr" presetSubtype="0" fill="hold" grpId="0" nodeType="withEffect">
+                                <p:cTn id="69" presetID="10" presetClass="entr" presetSubtype="0" fill="hold" nodeType="clickEffect">
                                   <p:stCondLst>
                                     <p:cond delay="0"/>
                                   </p:stCondLst>
@@ -4401,7 +4557,7 @@
                                           </p:stCondLst>
                                         </p:cTn>
                                         <p:tgtEl>
-                                          <p:spTgt spid="142"/>
+                                          <p:spTgt spid="114"/>
                                         </p:tgtEl>
                                         <p:attrNameLst>
                                           <p:attrName>style.visibility</p:attrName>
@@ -4415,7 +4571,183 @@
                                       <p:cBhvr>
                                         <p:cTn id="71" dur="500"/>
                                         <p:tgtEl>
-                                          <p:spTgt spid="142"/>
+                                          <p:spTgt spid="114"/>
+                                        </p:tgtEl>
+                                      </p:cBhvr>
+                                    </p:animEffect>
+                                  </p:childTnLst>
+                                </p:cTn>
+                              </p:par>
+                              <p:par>
+                                <p:cTn id="72" presetID="10" presetClass="entr" presetSubtype="0" fill="hold" grpId="0" nodeType="withEffect">
+                                  <p:stCondLst>
+                                    <p:cond delay="0"/>
+                                  </p:stCondLst>
+                                  <p:childTnLst>
+                                    <p:set>
+                                      <p:cBhvr>
+                                        <p:cTn id="73" dur="1" fill="hold">
+                                          <p:stCondLst>
+                                            <p:cond delay="0"/>
+                                          </p:stCondLst>
+                                        </p:cTn>
+                                        <p:tgtEl>
+                                          <p:spTgt spid="91"/>
+                                        </p:tgtEl>
+                                        <p:attrNameLst>
+                                          <p:attrName>style.visibility</p:attrName>
+                                        </p:attrNameLst>
+                                      </p:cBhvr>
+                                      <p:to>
+                                        <p:strVal val="visible"/>
+                                      </p:to>
+                                    </p:set>
+                                    <p:animEffect transition="in" filter="fade">
+                                      <p:cBhvr>
+                                        <p:cTn id="74" dur="500"/>
+                                        <p:tgtEl>
+                                          <p:spTgt spid="91"/>
+                                        </p:tgtEl>
+                                      </p:cBhvr>
+                                    </p:animEffect>
+                                  </p:childTnLst>
+                                </p:cTn>
+                              </p:par>
+                            </p:childTnLst>
+                          </p:cTn>
+                        </p:par>
+                      </p:childTnLst>
+                    </p:cTn>
+                  </p:par>
+                  <p:par>
+                    <p:cTn id="75" fill="hold">
+                      <p:stCondLst>
+                        <p:cond delay="indefinite"/>
+                      </p:stCondLst>
+                      <p:childTnLst>
+                        <p:par>
+                          <p:cTn id="76" fill="hold">
+                            <p:stCondLst>
+                              <p:cond delay="0"/>
+                            </p:stCondLst>
+                            <p:childTnLst>
+                              <p:par>
+                                <p:cTn id="77" presetID="10" presetClass="entr" presetSubtype="0" fill="hold" nodeType="clickEffect">
+                                  <p:stCondLst>
+                                    <p:cond delay="0"/>
+                                  </p:stCondLst>
+                                  <p:childTnLst>
+                                    <p:set>
+                                      <p:cBhvr>
+                                        <p:cTn id="78" dur="1" fill="hold">
+                                          <p:stCondLst>
+                                            <p:cond delay="0"/>
+                                          </p:stCondLst>
+                                        </p:cTn>
+                                        <p:tgtEl>
+                                          <p:spTgt spid="123"/>
+                                        </p:tgtEl>
+                                        <p:attrNameLst>
+                                          <p:attrName>style.visibility</p:attrName>
+                                        </p:attrNameLst>
+                                      </p:cBhvr>
+                                      <p:to>
+                                        <p:strVal val="visible"/>
+                                      </p:to>
+                                    </p:set>
+                                    <p:animEffect transition="in" filter="fade">
+                                      <p:cBhvr>
+                                        <p:cTn id="79" dur="500"/>
+                                        <p:tgtEl>
+                                          <p:spTgt spid="123"/>
+                                        </p:tgtEl>
+                                      </p:cBhvr>
+                                    </p:animEffect>
+                                  </p:childTnLst>
+                                </p:cTn>
+                              </p:par>
+                            </p:childTnLst>
+                          </p:cTn>
+                        </p:par>
+                      </p:childTnLst>
+                    </p:cTn>
+                  </p:par>
+                  <p:par>
+                    <p:cTn id="80" fill="hold">
+                      <p:stCondLst>
+                        <p:cond delay="indefinite"/>
+                      </p:stCondLst>
+                      <p:childTnLst>
+                        <p:par>
+                          <p:cTn id="81" fill="hold">
+                            <p:stCondLst>
+                              <p:cond delay="0"/>
+                            </p:stCondLst>
+                            <p:childTnLst>
+                              <p:par>
+                                <p:cTn id="82" presetID="10" presetClass="entr" presetSubtype="0" fill="hold" nodeType="clickEffect">
+                                  <p:stCondLst>
+                                    <p:cond delay="0"/>
+                                  </p:stCondLst>
+                                  <p:childTnLst>
+                                    <p:set>
+                                      <p:cBhvr>
+                                        <p:cTn id="83" dur="1" fill="hold">
+                                          <p:stCondLst>
+                                            <p:cond delay="0"/>
+                                          </p:stCondLst>
+                                        </p:cTn>
+                                        <p:tgtEl>
+                                          <p:spTgt spid="126"/>
+                                        </p:tgtEl>
+                                        <p:attrNameLst>
+                                          <p:attrName>style.visibility</p:attrName>
+                                        </p:attrNameLst>
+                                      </p:cBhvr>
+                                      <p:to>
+                                        <p:strVal val="visible"/>
+                                      </p:to>
+                                    </p:set>
+                                    <p:animEffect transition="in" filter="fade">
+                                      <p:cBhvr>
+                                        <p:cTn id="84" dur="500"/>
+                                        <p:tgtEl>
+                                          <p:spTgt spid="126"/>
+                                        </p:tgtEl>
+                                      </p:cBhvr>
+                                    </p:animEffect>
+                                  </p:childTnLst>
+                                </p:cTn>
+                              </p:par>
+                              <p:par>
+                                <p:cTn id="85" presetID="10" presetClass="entr" presetSubtype="0" fill="hold" grpId="0" nodeType="withEffect">
+                                  <p:stCondLst>
+                                    <p:cond delay="0"/>
+                                  </p:stCondLst>
+                                  <p:childTnLst>
+                                    <p:set>
+                                      <p:cBhvr>
+                                        <p:cTn id="86" dur="1" fill="hold">
+                                          <p:stCondLst>
+                                            <p:cond delay="0"/>
+                                          </p:stCondLst>
+                                        </p:cTn>
+                                        <p:tgtEl>
+                                          <p:spTgt spid="95"/>
+                                        </p:tgtEl>
+                                        <p:attrNameLst>
+                                          <p:attrName>style.visibility</p:attrName>
+                                        </p:attrNameLst>
+                                      </p:cBhvr>
+                                      <p:to>
+                                        <p:strVal val="visible"/>
+                                      </p:to>
+                                    </p:set>
+                                    <p:animEffect transition="in" filter="fade">
+                                      <p:cBhvr>
+                                        <p:cTn id="87" dur="500"/>
+                                        <p:tgtEl>
+                                          <p:spTgt spid="95"/>
                                         </p:tgtEl>
                                       </p:cBhvr>
                                     </p:animEffect>
@@ -4450,15 +4782,16 @@
       </p:par>
     </p:tnLst>
     <p:bldLst>
+      <p:bldP spid="25" grpId="0" animBg="1"/>
+      <p:bldP spid="87" grpId="0" animBg="1"/>
+      <p:bldP spid="88" grpId="0" animBg="1"/>
+      <p:bldP spid="89" grpId="0" animBg="1"/>
+      <p:bldP spid="90" grpId="0" animBg="1"/>
       <p:bldP spid="91" grpId="0" animBg="1"/>
+      <p:bldP spid="92" grpId="0" animBg="1"/>
+      <p:bldP spid="93" grpId="0" animBg="1"/>
+      <p:bldP spid="94" grpId="0" animBg="1"/>
       <p:bldP spid="95" grpId="0" animBg="1"/>
-      <p:bldP spid="136" grpId="0" animBg="1"/>
-      <p:bldP spid="137" grpId="0" animBg="1"/>
-      <p:bldP spid="138" grpId="0" animBg="1"/>
-      <p:bldP spid="139" grpId="0" animBg="1"/>
-      <p:bldP spid="140" grpId="0" animBg="1"/>
-      <p:bldP spid="141" grpId="0" animBg="1"/>
-      <p:bldP spid="142" grpId="0" animBg="1"/>
     </p:bldLst>
   </p:timing>
 </p:sld>

--- a/Lecture Slides/IntroSlides/6_Intro.pptx
+++ b/Lecture Slides/IntroSlides/6_Intro.pptx
@@ -4,6 +4,9 @@
   <p:sldMasterIdLst>
     <p:sldMasterId id="2147483648" r:id="rId1"/>
   </p:sldMasterIdLst>
+  <p:notesMasterIdLst>
+    <p:notesMasterId r:id="rId3"/>
+  </p:notesMasterIdLst>
   <p:sldIdLst>
     <p:sldId id="256" r:id="rId2"/>
   </p:sldIdLst>
@@ -112,6 +115,439 @@
 </p:presentation>
 </file>
 
+<file path=ppt/notesMasters/notesMaster1.xml><?xml version="1.0" encoding="utf-8"?>
+<p:notesMaster xmlns:a="http://schemas.openxmlformats.org/drawingml/2006/main" xmlns:r="http://schemas.openxmlformats.org/officeDocument/2006/relationships" xmlns:p="http://schemas.openxmlformats.org/presentationml/2006/main">
+  <p:cSld>
+    <p:bg>
+      <p:bgRef idx="1001">
+        <a:schemeClr val="bg1"/>
+      </p:bgRef>
+    </p:bg>
+    <p:spTree>
+      <p:nvGrpSpPr>
+        <p:cNvPr id="1" name=""/>
+        <p:cNvGrpSpPr/>
+        <p:nvPr/>
+      </p:nvGrpSpPr>
+      <p:grpSpPr>
+        <a:xfrm>
+          <a:off x="0" y="0"/>
+          <a:ext cx="0" cy="0"/>
+          <a:chOff x="0" y="0"/>
+          <a:chExt cx="0" cy="0"/>
+        </a:xfrm>
+      </p:grpSpPr>
+      <p:sp>
+        <p:nvSpPr>
+          <p:cNvPr id="2" name="Header Placeholder 1"/>
+          <p:cNvSpPr>
+            <a:spLocks noGrp="1"/>
+          </p:cNvSpPr>
+          <p:nvPr>
+            <p:ph type="hdr" sz="quarter"/>
+          </p:nvPr>
+        </p:nvSpPr>
+        <p:spPr>
+          <a:xfrm>
+            <a:off x="0" y="0"/>
+            <a:ext cx="2971800" cy="458788"/>
+          </a:xfrm>
+          <a:prstGeom prst="rect">
+            <a:avLst/>
+          </a:prstGeom>
+        </p:spPr>
+        <p:txBody>
+          <a:bodyPr vert="horz" lIns="91440" tIns="45720" rIns="91440" bIns="45720" rtlCol="0"/>
+          <a:lstStyle>
+            <a:lvl1pPr algn="l">
+              <a:defRPr sz="1200"/>
+            </a:lvl1pPr>
+          </a:lstStyle>
+          <a:p>
+            <a:endParaRPr lang="en-US"/>
+          </a:p>
+        </p:txBody>
+      </p:sp>
+      <p:sp>
+        <p:nvSpPr>
+          <p:cNvPr id="3" name="Date Placeholder 2"/>
+          <p:cNvSpPr>
+            <a:spLocks noGrp="1"/>
+          </p:cNvSpPr>
+          <p:nvPr>
+            <p:ph type="dt" idx="1"/>
+          </p:nvPr>
+        </p:nvSpPr>
+        <p:spPr>
+          <a:xfrm>
+            <a:off x="3884613" y="0"/>
+            <a:ext cx="2971800" cy="458788"/>
+          </a:xfrm>
+          <a:prstGeom prst="rect">
+            <a:avLst/>
+          </a:prstGeom>
+        </p:spPr>
+        <p:txBody>
+          <a:bodyPr vert="horz" lIns="91440" tIns="45720" rIns="91440" bIns="45720" rtlCol="0"/>
+          <a:lstStyle>
+            <a:lvl1pPr algn="r">
+              <a:defRPr sz="1200"/>
+            </a:lvl1pPr>
+          </a:lstStyle>
+          <a:p>
+            <a:fld id="{7AD346E6-962F-46E2-A833-1E49417FF834}" type="datetimeFigureOut">
+              <a:rPr lang="en-US" smtClean="0"/>
+              <a:t>6/10/2022</a:t>
+            </a:fld>
+            <a:endParaRPr lang="en-US"/>
+          </a:p>
+        </p:txBody>
+      </p:sp>
+      <p:sp>
+        <p:nvSpPr>
+          <p:cNvPr id="4" name="Slide Image Placeholder 3"/>
+          <p:cNvSpPr>
+            <a:spLocks noGrp="1" noRot="1" noChangeAspect="1"/>
+          </p:cNvSpPr>
+          <p:nvPr>
+            <p:ph type="sldImg" idx="2"/>
+          </p:nvPr>
+        </p:nvSpPr>
+        <p:spPr>
+          <a:xfrm>
+            <a:off x="685800" y="1143000"/>
+            <a:ext cx="5486400" cy="3086100"/>
+          </a:xfrm>
+          <a:prstGeom prst="rect">
+            <a:avLst/>
+          </a:prstGeom>
+          <a:noFill/>
+          <a:ln w="12700">
+            <a:solidFill>
+              <a:prstClr val="black"/>
+            </a:solidFill>
+          </a:ln>
+        </p:spPr>
+        <p:txBody>
+          <a:bodyPr vert="horz" lIns="91440" tIns="45720" rIns="91440" bIns="45720" rtlCol="0" anchor="ctr"/>
+          <a:lstStyle/>
+          <a:p>
+            <a:endParaRPr lang="en-US"/>
+          </a:p>
+        </p:txBody>
+      </p:sp>
+      <p:sp>
+        <p:nvSpPr>
+          <p:cNvPr id="5" name="Notes Placeholder 4"/>
+          <p:cNvSpPr>
+            <a:spLocks noGrp="1"/>
+          </p:cNvSpPr>
+          <p:nvPr>
+            <p:ph type="body" sz="quarter" idx="3"/>
+          </p:nvPr>
+        </p:nvSpPr>
+        <p:spPr>
+          <a:xfrm>
+            <a:off x="685800" y="4400550"/>
+            <a:ext cx="5486400" cy="3600450"/>
+          </a:xfrm>
+          <a:prstGeom prst="rect">
+            <a:avLst/>
+          </a:prstGeom>
+        </p:spPr>
+        <p:txBody>
+          <a:bodyPr vert="horz" lIns="91440" tIns="45720" rIns="91440" bIns="45720" rtlCol="0"/>
+          <a:lstStyle/>
+          <a:p>
+            <a:pPr lvl="0"/>
+            <a:r>
+              <a:rPr lang="en-US"/>
+              <a:t>Click to edit Master text styles</a:t>
+            </a:r>
+          </a:p>
+          <a:p>
+            <a:pPr lvl="1"/>
+            <a:r>
+              <a:rPr lang="en-US"/>
+              <a:t>Second level</a:t>
+            </a:r>
+          </a:p>
+          <a:p>
+            <a:pPr lvl="2"/>
+            <a:r>
+              <a:rPr lang="en-US"/>
+              <a:t>Third level</a:t>
+            </a:r>
+          </a:p>
+          <a:p>
+            <a:pPr lvl="3"/>
+            <a:r>
+              <a:rPr lang="en-US"/>
+              <a:t>Fourth level</a:t>
+            </a:r>
+          </a:p>
+          <a:p>
+            <a:pPr lvl="4"/>
+            <a:r>
+              <a:rPr lang="en-US"/>
+              <a:t>Fifth level</a:t>
+            </a:r>
+          </a:p>
+        </p:txBody>
+      </p:sp>
+      <p:sp>
+        <p:nvSpPr>
+          <p:cNvPr id="6" name="Footer Placeholder 5"/>
+          <p:cNvSpPr>
+            <a:spLocks noGrp="1"/>
+          </p:cNvSpPr>
+          <p:nvPr>
+            <p:ph type="ftr" sz="quarter" idx="4"/>
+          </p:nvPr>
+        </p:nvSpPr>
+        <p:spPr>
+          <a:xfrm>
+            <a:off x="0" y="8685213"/>
+            <a:ext cx="2971800" cy="458787"/>
+          </a:xfrm>
+          <a:prstGeom prst="rect">
+            <a:avLst/>
+          </a:prstGeom>
+        </p:spPr>
+        <p:txBody>
+          <a:bodyPr vert="horz" lIns="91440" tIns="45720" rIns="91440" bIns="45720" rtlCol="0" anchor="b"/>
+          <a:lstStyle>
+            <a:lvl1pPr algn="l">
+              <a:defRPr sz="1200"/>
+            </a:lvl1pPr>
+          </a:lstStyle>
+          <a:p>
+            <a:endParaRPr lang="en-US"/>
+          </a:p>
+        </p:txBody>
+      </p:sp>
+      <p:sp>
+        <p:nvSpPr>
+          <p:cNvPr id="7" name="Slide Number Placeholder 6"/>
+          <p:cNvSpPr>
+            <a:spLocks noGrp="1"/>
+          </p:cNvSpPr>
+          <p:nvPr>
+            <p:ph type="sldNum" sz="quarter" idx="5"/>
+          </p:nvPr>
+        </p:nvSpPr>
+        <p:spPr>
+          <a:xfrm>
+            <a:off x="3884613" y="8685213"/>
+            <a:ext cx="2971800" cy="458787"/>
+          </a:xfrm>
+          <a:prstGeom prst="rect">
+            <a:avLst/>
+          </a:prstGeom>
+        </p:spPr>
+        <p:txBody>
+          <a:bodyPr vert="horz" lIns="91440" tIns="45720" rIns="91440" bIns="45720" rtlCol="0" anchor="b"/>
+          <a:lstStyle>
+            <a:lvl1pPr algn="r">
+              <a:defRPr sz="1200"/>
+            </a:lvl1pPr>
+          </a:lstStyle>
+          <a:p>
+            <a:fld id="{32BDD495-C8EC-4E5E-92C4-6F96A00B38A6}" type="slidenum">
+              <a:rPr lang="en-US" smtClean="0"/>
+              <a:t>‹#›</a:t>
+            </a:fld>
+            <a:endParaRPr lang="en-US"/>
+          </a:p>
+        </p:txBody>
+      </p:sp>
+    </p:spTree>
+    <p:extLst>
+      <p:ext uri="{BB962C8B-B14F-4D97-AF65-F5344CB8AC3E}">
+        <p14:creationId xmlns:p14="http://schemas.microsoft.com/office/powerpoint/2010/main" val="1457211138"/>
+      </p:ext>
+    </p:extLst>
+  </p:cSld>
+  <p:clrMap bg1="lt1" tx1="dk1" bg2="lt2" tx2="dk2" accent1="accent1" accent2="accent2" accent3="accent3" accent4="accent4" accent5="accent5" accent6="accent6" hlink="hlink" folHlink="folHlink"/>
+  <p:notesStyle>
+    <a:lvl1pPr marL="0" algn="l" defTabSz="914400" rtl="0" eaLnBrk="1" latinLnBrk="0" hangingPunct="1">
+      <a:defRPr sz="1200" kern="1200">
+        <a:solidFill>
+          <a:schemeClr val="tx1"/>
+        </a:solidFill>
+        <a:latin typeface="+mn-lt"/>
+        <a:ea typeface="+mn-ea"/>
+        <a:cs typeface="+mn-cs"/>
+      </a:defRPr>
+    </a:lvl1pPr>
+    <a:lvl2pPr marL="457200" algn="l" defTabSz="914400" rtl="0" eaLnBrk="1" latinLnBrk="0" hangingPunct="1">
+      <a:defRPr sz="1200" kern="1200">
+        <a:solidFill>
+          <a:schemeClr val="tx1"/>
+        </a:solidFill>
+        <a:latin typeface="+mn-lt"/>
+        <a:ea typeface="+mn-ea"/>
+        <a:cs typeface="+mn-cs"/>
+      </a:defRPr>
+    </a:lvl2pPr>
+    <a:lvl3pPr marL="914400" algn="l" defTabSz="914400" rtl="0" eaLnBrk="1" latinLnBrk="0" hangingPunct="1">
+      <a:defRPr sz="1200" kern="1200">
+        <a:solidFill>
+          <a:schemeClr val="tx1"/>
+        </a:solidFill>
+        <a:latin typeface="+mn-lt"/>
+        <a:ea typeface="+mn-ea"/>
+        <a:cs typeface="+mn-cs"/>
+      </a:defRPr>
+    </a:lvl3pPr>
+    <a:lvl4pPr marL="1371600" algn="l" defTabSz="914400" rtl="0" eaLnBrk="1" latinLnBrk="0" hangingPunct="1">
+      <a:defRPr sz="1200" kern="1200">
+        <a:solidFill>
+          <a:schemeClr val="tx1"/>
+        </a:solidFill>
+        <a:latin typeface="+mn-lt"/>
+        <a:ea typeface="+mn-ea"/>
+        <a:cs typeface="+mn-cs"/>
+      </a:defRPr>
+    </a:lvl4pPr>
+    <a:lvl5pPr marL="1828800" algn="l" defTabSz="914400" rtl="0" eaLnBrk="1" latinLnBrk="0" hangingPunct="1">
+      <a:defRPr sz="1200" kern="1200">
+        <a:solidFill>
+          <a:schemeClr val="tx1"/>
+        </a:solidFill>
+        <a:latin typeface="+mn-lt"/>
+        <a:ea typeface="+mn-ea"/>
+        <a:cs typeface="+mn-cs"/>
+      </a:defRPr>
+    </a:lvl5pPr>
+    <a:lvl6pPr marL="2286000" algn="l" defTabSz="914400" rtl="0" eaLnBrk="1" latinLnBrk="0" hangingPunct="1">
+      <a:defRPr sz="1200" kern="1200">
+        <a:solidFill>
+          <a:schemeClr val="tx1"/>
+        </a:solidFill>
+        <a:latin typeface="+mn-lt"/>
+        <a:ea typeface="+mn-ea"/>
+        <a:cs typeface="+mn-cs"/>
+      </a:defRPr>
+    </a:lvl6pPr>
+    <a:lvl7pPr marL="2743200" algn="l" defTabSz="914400" rtl="0" eaLnBrk="1" latinLnBrk="0" hangingPunct="1">
+      <a:defRPr sz="1200" kern="1200">
+        <a:solidFill>
+          <a:schemeClr val="tx1"/>
+        </a:solidFill>
+        <a:latin typeface="+mn-lt"/>
+        <a:ea typeface="+mn-ea"/>
+        <a:cs typeface="+mn-cs"/>
+      </a:defRPr>
+    </a:lvl7pPr>
+    <a:lvl8pPr marL="3200400" algn="l" defTabSz="914400" rtl="0" eaLnBrk="1" latinLnBrk="0" hangingPunct="1">
+      <a:defRPr sz="1200" kern="1200">
+        <a:solidFill>
+          <a:schemeClr val="tx1"/>
+        </a:solidFill>
+        <a:latin typeface="+mn-lt"/>
+        <a:ea typeface="+mn-ea"/>
+        <a:cs typeface="+mn-cs"/>
+      </a:defRPr>
+    </a:lvl8pPr>
+    <a:lvl9pPr marL="3657600" algn="l" defTabSz="914400" rtl="0" eaLnBrk="1" latinLnBrk="0" hangingPunct="1">
+      <a:defRPr sz="1200" kern="1200">
+        <a:solidFill>
+          <a:schemeClr val="tx1"/>
+        </a:solidFill>
+        <a:latin typeface="+mn-lt"/>
+        <a:ea typeface="+mn-ea"/>
+        <a:cs typeface="+mn-cs"/>
+      </a:defRPr>
+    </a:lvl9pPr>
+  </p:notesStyle>
+</p:notesMaster>
+</file>
+
+<file path=ppt/notesSlides/notesSlide1.xml><?xml version="1.0" encoding="utf-8"?>
+<p:notes xmlns:a="http://schemas.openxmlformats.org/drawingml/2006/main" xmlns:r="http://schemas.openxmlformats.org/officeDocument/2006/relationships" xmlns:p="http://schemas.openxmlformats.org/presentationml/2006/main">
+  <p:cSld>
+    <p:spTree>
+      <p:nvGrpSpPr>
+        <p:cNvPr id="1" name=""/>
+        <p:cNvGrpSpPr/>
+        <p:nvPr/>
+      </p:nvGrpSpPr>
+      <p:grpSpPr>
+        <a:xfrm>
+          <a:off x="0" y="0"/>
+          <a:ext cx="0" cy="0"/>
+          <a:chOff x="0" y="0"/>
+          <a:chExt cx="0" cy="0"/>
+        </a:xfrm>
+      </p:grpSpPr>
+      <p:sp>
+        <p:nvSpPr>
+          <p:cNvPr id="2" name="Slide Image Placeholder 1"/>
+          <p:cNvSpPr>
+            <a:spLocks noGrp="1" noRot="1" noChangeAspect="1"/>
+          </p:cNvSpPr>
+          <p:nvPr>
+            <p:ph type="sldImg"/>
+          </p:nvPr>
+        </p:nvSpPr>
+        <p:spPr/>
+      </p:sp>
+      <p:sp>
+        <p:nvSpPr>
+          <p:cNvPr id="3" name="Notes Placeholder 2"/>
+          <p:cNvSpPr>
+            <a:spLocks noGrp="1"/>
+          </p:cNvSpPr>
+          <p:nvPr>
+            <p:ph type="body" idx="1"/>
+          </p:nvPr>
+        </p:nvSpPr>
+        <p:spPr/>
+        <p:txBody>
+          <a:bodyPr/>
+          <a:lstStyle/>
+          <a:p>
+            <a:endParaRPr lang="en-US" dirty="0"/>
+          </a:p>
+        </p:txBody>
+      </p:sp>
+      <p:sp>
+        <p:nvSpPr>
+          <p:cNvPr id="4" name="Slide Number Placeholder 3"/>
+          <p:cNvSpPr>
+            <a:spLocks noGrp="1"/>
+          </p:cNvSpPr>
+          <p:nvPr>
+            <p:ph type="sldNum" sz="quarter" idx="5"/>
+          </p:nvPr>
+        </p:nvSpPr>
+        <p:spPr/>
+        <p:txBody>
+          <a:bodyPr/>
+          <a:lstStyle/>
+          <a:p>
+            <a:fld id="{32BDD495-C8EC-4E5E-92C4-6F96A00B38A6}" type="slidenum">
+              <a:rPr lang="en-US" smtClean="0"/>
+              <a:t>1</a:t>
+            </a:fld>
+            <a:endParaRPr lang="en-US"/>
+          </a:p>
+        </p:txBody>
+      </p:sp>
+    </p:spTree>
+    <p:extLst>
+      <p:ext uri="{BB962C8B-B14F-4D97-AF65-F5344CB8AC3E}">
+        <p14:creationId xmlns:p14="http://schemas.microsoft.com/office/powerpoint/2010/main" val="2101897856"/>
+      </p:ext>
+    </p:extLst>
+  </p:cSld>
+  <p:clrMapOvr>
+    <a:masterClrMapping/>
+  </p:clrMapOvr>
+</p:notes>
+</file>
+
 <file path=ppt/slideLayouts/slideLayout1.xml><?xml version="1.0" encoding="utf-8"?>
 <p:sldLayout xmlns:a="http://schemas.openxmlformats.org/drawingml/2006/main" xmlns:r="http://schemas.openxmlformats.org/officeDocument/2006/relationships" xmlns:p="http://schemas.openxmlformats.org/presentationml/2006/main" type="title" preserve="1">
   <p:cSld name="Title Slide">
@@ -154,10 +590,9 @@
           </a:lstStyle>
           <a:p>
             <a:r>
-              <a:rPr lang="en-US" smtClean="0"/>
+              <a:rPr lang="en-US"/>
               <a:t>Click to edit Master title style</a:t>
             </a:r>
-            <a:endParaRPr lang="en-US"/>
           </a:p>
         </p:txBody>
       </p:sp>
@@ -219,10 +654,9 @@
           </a:lstStyle>
           <a:p>
             <a:r>
-              <a:rPr lang="en-US" smtClean="0"/>
+              <a:rPr lang="en-US"/>
               <a:t>Click to edit Master subtitle style</a:t>
             </a:r>
-            <a:endParaRPr lang="en-US"/>
           </a:p>
         </p:txBody>
       </p:sp>
@@ -243,7 +677,7 @@
           <a:p>
             <a:fld id="{AA15078D-9DE8-47D0-8F0F-AA243E1A2060}" type="datetimeFigureOut">
               <a:rPr lang="en-US" smtClean="0"/>
-              <a:t>8/11/2017</a:t>
+              <a:t>6/10/2022</a:t>
             </a:fld>
             <a:endParaRPr lang="en-US"/>
           </a:p>
@@ -337,10 +771,9 @@
           <a:lstStyle/>
           <a:p>
             <a:r>
-              <a:rPr lang="en-US" smtClean="0"/>
+              <a:rPr lang="en-US"/>
               <a:t>Click to edit Master title style</a:t>
             </a:r>
-            <a:endParaRPr lang="en-US"/>
           </a:p>
         </p:txBody>
       </p:sp>
@@ -361,38 +794,37 @@
           <a:p>
             <a:pPr lvl="0"/>
             <a:r>
-              <a:rPr lang="en-US" smtClean="0"/>
+              <a:rPr lang="en-US"/>
               <a:t>Edit Master text styles</a:t>
             </a:r>
           </a:p>
           <a:p>
             <a:pPr lvl="1"/>
             <a:r>
-              <a:rPr lang="en-US" smtClean="0"/>
+              <a:rPr lang="en-US"/>
               <a:t>Second level</a:t>
             </a:r>
           </a:p>
           <a:p>
             <a:pPr lvl="2"/>
             <a:r>
-              <a:rPr lang="en-US" smtClean="0"/>
+              <a:rPr lang="en-US"/>
               <a:t>Third level</a:t>
             </a:r>
           </a:p>
           <a:p>
             <a:pPr lvl="3"/>
             <a:r>
-              <a:rPr lang="en-US" smtClean="0"/>
+              <a:rPr lang="en-US"/>
               <a:t>Fourth level</a:t>
             </a:r>
           </a:p>
           <a:p>
             <a:pPr lvl="4"/>
             <a:r>
-              <a:rPr lang="en-US" smtClean="0"/>
+              <a:rPr lang="en-US"/>
               <a:t>Fifth level</a:t>
             </a:r>
-            <a:endParaRPr lang="en-US"/>
           </a:p>
         </p:txBody>
       </p:sp>
@@ -413,7 +845,7 @@
           <a:p>
             <a:fld id="{AA15078D-9DE8-47D0-8F0F-AA243E1A2060}" type="datetimeFigureOut">
               <a:rPr lang="en-US" smtClean="0"/>
-              <a:t>8/11/2017</a:t>
+              <a:t>6/10/2022</a:t>
             </a:fld>
             <a:endParaRPr lang="en-US"/>
           </a:p>
@@ -512,10 +944,9 @@
           <a:lstStyle/>
           <a:p>
             <a:r>
-              <a:rPr lang="en-US" smtClean="0"/>
+              <a:rPr lang="en-US"/>
               <a:t>Click to edit Master title style</a:t>
             </a:r>
-            <a:endParaRPr lang="en-US"/>
           </a:p>
         </p:txBody>
       </p:sp>
@@ -541,38 +972,37 @@
           <a:p>
             <a:pPr lvl="0"/>
             <a:r>
-              <a:rPr lang="en-US" smtClean="0"/>
+              <a:rPr lang="en-US"/>
               <a:t>Edit Master text styles</a:t>
             </a:r>
           </a:p>
           <a:p>
             <a:pPr lvl="1"/>
             <a:r>
-              <a:rPr lang="en-US" smtClean="0"/>
+              <a:rPr lang="en-US"/>
               <a:t>Second level</a:t>
             </a:r>
           </a:p>
           <a:p>
             <a:pPr lvl="2"/>
             <a:r>
-              <a:rPr lang="en-US" smtClean="0"/>
+              <a:rPr lang="en-US"/>
               <a:t>Third level</a:t>
             </a:r>
           </a:p>
           <a:p>
             <a:pPr lvl="3"/>
             <a:r>
-              <a:rPr lang="en-US" smtClean="0"/>
+              <a:rPr lang="en-US"/>
               <a:t>Fourth level</a:t>
             </a:r>
           </a:p>
           <a:p>
             <a:pPr lvl="4"/>
             <a:r>
-              <a:rPr lang="en-US" smtClean="0"/>
+              <a:rPr lang="en-US"/>
               <a:t>Fifth level</a:t>
             </a:r>
-            <a:endParaRPr lang="en-US"/>
           </a:p>
         </p:txBody>
       </p:sp>
@@ -593,7 +1023,7 @@
           <a:p>
             <a:fld id="{AA15078D-9DE8-47D0-8F0F-AA243E1A2060}" type="datetimeFigureOut">
               <a:rPr lang="en-US" smtClean="0"/>
-              <a:t>8/11/2017</a:t>
+              <a:t>6/10/2022</a:t>
             </a:fld>
             <a:endParaRPr lang="en-US"/>
           </a:p>
@@ -687,10 +1117,9 @@
           <a:lstStyle/>
           <a:p>
             <a:r>
-              <a:rPr lang="en-US" smtClean="0"/>
+              <a:rPr lang="en-US"/>
               <a:t>Click to edit Master title style</a:t>
             </a:r>
-            <a:endParaRPr lang="en-US"/>
           </a:p>
         </p:txBody>
       </p:sp>
@@ -711,38 +1140,37 @@
           <a:p>
             <a:pPr lvl="0"/>
             <a:r>
-              <a:rPr lang="en-US" smtClean="0"/>
+              <a:rPr lang="en-US"/>
               <a:t>Edit Master text styles</a:t>
             </a:r>
           </a:p>
           <a:p>
             <a:pPr lvl="1"/>
             <a:r>
-              <a:rPr lang="en-US" smtClean="0"/>
+              <a:rPr lang="en-US"/>
               <a:t>Second level</a:t>
             </a:r>
           </a:p>
           <a:p>
             <a:pPr lvl="2"/>
             <a:r>
-              <a:rPr lang="en-US" smtClean="0"/>
+              <a:rPr lang="en-US"/>
               <a:t>Third level</a:t>
             </a:r>
           </a:p>
           <a:p>
             <a:pPr lvl="3"/>
             <a:r>
-              <a:rPr lang="en-US" smtClean="0"/>
+              <a:rPr lang="en-US"/>
               <a:t>Fourth level</a:t>
             </a:r>
           </a:p>
           <a:p>
             <a:pPr lvl="4"/>
             <a:r>
-              <a:rPr lang="en-US" smtClean="0"/>
+              <a:rPr lang="en-US"/>
               <a:t>Fifth level</a:t>
             </a:r>
-            <a:endParaRPr lang="en-US"/>
           </a:p>
         </p:txBody>
       </p:sp>
@@ -763,7 +1191,7 @@
           <a:p>
             <a:fld id="{AA15078D-9DE8-47D0-8F0F-AA243E1A2060}" type="datetimeFigureOut">
               <a:rPr lang="en-US" smtClean="0"/>
-              <a:t>8/11/2017</a:t>
+              <a:t>6/10/2022</a:t>
             </a:fld>
             <a:endParaRPr lang="en-US"/>
           </a:p>
@@ -866,10 +1294,9 @@
           </a:lstStyle>
           <a:p>
             <a:r>
-              <a:rPr lang="en-US" smtClean="0"/>
+              <a:rPr lang="en-US"/>
               <a:t>Click to edit Master title style</a:t>
             </a:r>
-            <a:endParaRPr lang="en-US"/>
           </a:p>
         </p:txBody>
       </p:sp>
@@ -986,7 +1413,7 @@
           <a:p>
             <a:pPr lvl="0"/>
             <a:r>
-              <a:rPr lang="en-US" smtClean="0"/>
+              <a:rPr lang="en-US"/>
               <a:t>Edit Master text styles</a:t>
             </a:r>
           </a:p>
@@ -1009,7 +1436,7 @@
           <a:p>
             <a:fld id="{AA15078D-9DE8-47D0-8F0F-AA243E1A2060}" type="datetimeFigureOut">
               <a:rPr lang="en-US" smtClean="0"/>
-              <a:t>8/11/2017</a:t>
+              <a:t>6/10/2022</a:t>
             </a:fld>
             <a:endParaRPr lang="en-US"/>
           </a:p>
@@ -1103,10 +1530,9 @@
           <a:lstStyle/>
           <a:p>
             <a:r>
-              <a:rPr lang="en-US" smtClean="0"/>
+              <a:rPr lang="en-US"/>
               <a:t>Click to edit Master title style</a:t>
             </a:r>
-            <a:endParaRPr lang="en-US"/>
           </a:p>
         </p:txBody>
       </p:sp>
@@ -1132,38 +1558,37 @@
           <a:p>
             <a:pPr lvl="0"/>
             <a:r>
-              <a:rPr lang="en-US" smtClean="0"/>
+              <a:rPr lang="en-US"/>
               <a:t>Edit Master text styles</a:t>
             </a:r>
           </a:p>
           <a:p>
             <a:pPr lvl="1"/>
             <a:r>
-              <a:rPr lang="en-US" smtClean="0"/>
+              <a:rPr lang="en-US"/>
               <a:t>Second level</a:t>
             </a:r>
           </a:p>
           <a:p>
             <a:pPr lvl="2"/>
             <a:r>
-              <a:rPr lang="en-US" smtClean="0"/>
+              <a:rPr lang="en-US"/>
               <a:t>Third level</a:t>
             </a:r>
           </a:p>
           <a:p>
             <a:pPr lvl="3"/>
             <a:r>
-              <a:rPr lang="en-US" smtClean="0"/>
+              <a:rPr lang="en-US"/>
               <a:t>Fourth level</a:t>
             </a:r>
           </a:p>
           <a:p>
             <a:pPr lvl="4"/>
             <a:r>
-              <a:rPr lang="en-US" smtClean="0"/>
+              <a:rPr lang="en-US"/>
               <a:t>Fifth level</a:t>
             </a:r>
-            <a:endParaRPr lang="en-US"/>
           </a:p>
         </p:txBody>
       </p:sp>
@@ -1189,38 +1614,37 @@
           <a:p>
             <a:pPr lvl="0"/>
             <a:r>
-              <a:rPr lang="en-US" smtClean="0"/>
+              <a:rPr lang="en-US"/>
               <a:t>Edit Master text styles</a:t>
             </a:r>
           </a:p>
           <a:p>
             <a:pPr lvl="1"/>
             <a:r>
-              <a:rPr lang="en-US" smtClean="0"/>
+              <a:rPr lang="en-US"/>
               <a:t>Second level</a:t>
             </a:r>
           </a:p>
           <a:p>
             <a:pPr lvl="2"/>
             <a:r>
-              <a:rPr lang="en-US" smtClean="0"/>
+              <a:rPr lang="en-US"/>
               <a:t>Third level</a:t>
             </a:r>
           </a:p>
           <a:p>
             <a:pPr lvl="3"/>
             <a:r>
-              <a:rPr lang="en-US" smtClean="0"/>
+              <a:rPr lang="en-US"/>
               <a:t>Fourth level</a:t>
             </a:r>
           </a:p>
           <a:p>
             <a:pPr lvl="4"/>
             <a:r>
-              <a:rPr lang="en-US" smtClean="0"/>
+              <a:rPr lang="en-US"/>
               <a:t>Fifth level</a:t>
             </a:r>
-            <a:endParaRPr lang="en-US"/>
           </a:p>
         </p:txBody>
       </p:sp>
@@ -1241,7 +1665,7 @@
           <a:p>
             <a:fld id="{AA15078D-9DE8-47D0-8F0F-AA243E1A2060}" type="datetimeFigureOut">
               <a:rPr lang="en-US" smtClean="0"/>
-              <a:t>8/11/2017</a:t>
+              <a:t>6/10/2022</a:t>
             </a:fld>
             <a:endParaRPr lang="en-US"/>
           </a:p>
@@ -1340,10 +1764,9 @@
           <a:lstStyle/>
           <a:p>
             <a:r>
-              <a:rPr lang="en-US" smtClean="0"/>
+              <a:rPr lang="en-US"/>
               <a:t>Click to edit Master title style</a:t>
             </a:r>
-            <a:endParaRPr lang="en-US"/>
           </a:p>
         </p:txBody>
       </p:sp>
@@ -1406,7 +1829,7 @@
           <a:p>
             <a:pPr lvl="0"/>
             <a:r>
-              <a:rPr lang="en-US" smtClean="0"/>
+              <a:rPr lang="en-US"/>
               <a:t>Edit Master text styles</a:t>
             </a:r>
           </a:p>
@@ -1434,38 +1857,37 @@
           <a:p>
             <a:pPr lvl="0"/>
             <a:r>
-              <a:rPr lang="en-US" smtClean="0"/>
+              <a:rPr lang="en-US"/>
               <a:t>Edit Master text styles</a:t>
             </a:r>
           </a:p>
           <a:p>
             <a:pPr lvl="1"/>
             <a:r>
-              <a:rPr lang="en-US" smtClean="0"/>
+              <a:rPr lang="en-US"/>
               <a:t>Second level</a:t>
             </a:r>
           </a:p>
           <a:p>
             <a:pPr lvl="2"/>
             <a:r>
-              <a:rPr lang="en-US" smtClean="0"/>
+              <a:rPr lang="en-US"/>
               <a:t>Third level</a:t>
             </a:r>
           </a:p>
           <a:p>
             <a:pPr lvl="3"/>
             <a:r>
-              <a:rPr lang="en-US" smtClean="0"/>
+              <a:rPr lang="en-US"/>
               <a:t>Fourth level</a:t>
             </a:r>
           </a:p>
           <a:p>
             <a:pPr lvl="4"/>
             <a:r>
-              <a:rPr lang="en-US" smtClean="0"/>
+              <a:rPr lang="en-US"/>
               <a:t>Fifth level</a:t>
             </a:r>
-            <a:endParaRPr lang="en-US"/>
           </a:p>
         </p:txBody>
       </p:sp>
@@ -1528,7 +1950,7 @@
           <a:p>
             <a:pPr lvl="0"/>
             <a:r>
-              <a:rPr lang="en-US" smtClean="0"/>
+              <a:rPr lang="en-US"/>
               <a:t>Edit Master text styles</a:t>
             </a:r>
           </a:p>
@@ -1556,38 +1978,37 @@
           <a:p>
             <a:pPr lvl="0"/>
             <a:r>
-              <a:rPr lang="en-US" smtClean="0"/>
+              <a:rPr lang="en-US"/>
               <a:t>Edit Master text styles</a:t>
             </a:r>
           </a:p>
           <a:p>
             <a:pPr lvl="1"/>
             <a:r>
-              <a:rPr lang="en-US" smtClean="0"/>
+              <a:rPr lang="en-US"/>
               <a:t>Second level</a:t>
             </a:r>
           </a:p>
           <a:p>
             <a:pPr lvl="2"/>
             <a:r>
-              <a:rPr lang="en-US" smtClean="0"/>
+              <a:rPr lang="en-US"/>
               <a:t>Third level</a:t>
             </a:r>
           </a:p>
           <a:p>
             <a:pPr lvl="3"/>
             <a:r>
-              <a:rPr lang="en-US" smtClean="0"/>
+              <a:rPr lang="en-US"/>
               <a:t>Fourth level</a:t>
             </a:r>
           </a:p>
           <a:p>
             <a:pPr lvl="4"/>
             <a:r>
-              <a:rPr lang="en-US" smtClean="0"/>
+              <a:rPr lang="en-US"/>
               <a:t>Fifth level</a:t>
             </a:r>
-            <a:endParaRPr lang="en-US"/>
           </a:p>
         </p:txBody>
       </p:sp>
@@ -1608,7 +2029,7 @@
           <a:p>
             <a:fld id="{AA15078D-9DE8-47D0-8F0F-AA243E1A2060}" type="datetimeFigureOut">
               <a:rPr lang="en-US" smtClean="0"/>
-              <a:t>8/11/2017</a:t>
+              <a:t>6/10/2022</a:t>
             </a:fld>
             <a:endParaRPr lang="en-US"/>
           </a:p>
@@ -1702,10 +2123,9 @@
           <a:lstStyle/>
           <a:p>
             <a:r>
-              <a:rPr lang="en-US" smtClean="0"/>
+              <a:rPr lang="en-US"/>
               <a:t>Click to edit Master title style</a:t>
             </a:r>
-            <a:endParaRPr lang="en-US"/>
           </a:p>
         </p:txBody>
       </p:sp>
@@ -1726,7 +2146,7 @@
           <a:p>
             <a:fld id="{AA15078D-9DE8-47D0-8F0F-AA243E1A2060}" type="datetimeFigureOut">
               <a:rPr lang="en-US" smtClean="0"/>
-              <a:t>8/11/2017</a:t>
+              <a:t>6/10/2022</a:t>
             </a:fld>
             <a:endParaRPr lang="en-US"/>
           </a:p>
@@ -1821,7 +2241,7 @@
           <a:p>
             <a:fld id="{AA15078D-9DE8-47D0-8F0F-AA243E1A2060}" type="datetimeFigureOut">
               <a:rPr lang="en-US" smtClean="0"/>
-              <a:t>8/11/2017</a:t>
+              <a:t>6/10/2022</a:t>
             </a:fld>
             <a:endParaRPr lang="en-US"/>
           </a:p>
@@ -1924,10 +2344,9 @@
           </a:lstStyle>
           <a:p>
             <a:r>
-              <a:rPr lang="en-US" smtClean="0"/>
+              <a:rPr lang="en-US"/>
               <a:t>Click to edit Master title style</a:t>
             </a:r>
-            <a:endParaRPr lang="en-US"/>
           </a:p>
         </p:txBody>
       </p:sp>
@@ -1981,38 +2400,37 @@
           <a:p>
             <a:pPr lvl="0"/>
             <a:r>
-              <a:rPr lang="en-US" smtClean="0"/>
+              <a:rPr lang="en-US"/>
               <a:t>Edit Master text styles</a:t>
             </a:r>
           </a:p>
           <a:p>
             <a:pPr lvl="1"/>
             <a:r>
-              <a:rPr lang="en-US" smtClean="0"/>
+              <a:rPr lang="en-US"/>
               <a:t>Second level</a:t>
             </a:r>
           </a:p>
           <a:p>
             <a:pPr lvl="2"/>
             <a:r>
-              <a:rPr lang="en-US" smtClean="0"/>
+              <a:rPr lang="en-US"/>
               <a:t>Third level</a:t>
             </a:r>
           </a:p>
           <a:p>
             <a:pPr lvl="3"/>
             <a:r>
-              <a:rPr lang="en-US" smtClean="0"/>
+              <a:rPr lang="en-US"/>
               <a:t>Fourth level</a:t>
             </a:r>
           </a:p>
           <a:p>
             <a:pPr lvl="4"/>
             <a:r>
-              <a:rPr lang="en-US" smtClean="0"/>
+              <a:rPr lang="en-US"/>
               <a:t>Fifth level</a:t>
             </a:r>
-            <a:endParaRPr lang="en-US"/>
           </a:p>
         </p:txBody>
       </p:sp>
@@ -2075,7 +2493,7 @@
           <a:p>
             <a:pPr lvl="0"/>
             <a:r>
-              <a:rPr lang="en-US" smtClean="0"/>
+              <a:rPr lang="en-US"/>
               <a:t>Edit Master text styles</a:t>
             </a:r>
           </a:p>
@@ -2098,7 +2516,7 @@
           <a:p>
             <a:fld id="{AA15078D-9DE8-47D0-8F0F-AA243E1A2060}" type="datetimeFigureOut">
               <a:rPr lang="en-US" smtClean="0"/>
-              <a:t>8/11/2017</a:t>
+              <a:t>6/10/2022</a:t>
             </a:fld>
             <a:endParaRPr lang="en-US"/>
           </a:p>
@@ -2201,10 +2619,9 @@
           </a:lstStyle>
           <a:p>
             <a:r>
-              <a:rPr lang="en-US" smtClean="0"/>
+              <a:rPr lang="en-US"/>
               <a:t>Click to edit Master title style</a:t>
             </a:r>
-            <a:endParaRPr lang="en-US"/>
           </a:p>
         </p:txBody>
       </p:sp>
@@ -2328,7 +2745,7 @@
           <a:p>
             <a:pPr lvl="0"/>
             <a:r>
-              <a:rPr lang="en-US" smtClean="0"/>
+              <a:rPr lang="en-US"/>
               <a:t>Edit Master text styles</a:t>
             </a:r>
           </a:p>
@@ -2351,7 +2768,7 @@
           <a:p>
             <a:fld id="{AA15078D-9DE8-47D0-8F0F-AA243E1A2060}" type="datetimeFigureOut">
               <a:rPr lang="en-US" smtClean="0"/>
-              <a:t>8/11/2017</a:t>
+              <a:t>6/10/2022</a:t>
             </a:fld>
             <a:endParaRPr lang="en-US"/>
           </a:p>
@@ -2460,10 +2877,9 @@
           <a:lstStyle/>
           <a:p>
             <a:r>
-              <a:rPr lang="en-US" smtClean="0"/>
+              <a:rPr lang="en-US"/>
               <a:t>Click to edit Master title style</a:t>
             </a:r>
-            <a:endParaRPr lang="en-US"/>
           </a:p>
         </p:txBody>
       </p:sp>
@@ -2494,38 +2910,37 @@
           <a:p>
             <a:pPr lvl="0"/>
             <a:r>
-              <a:rPr lang="en-US" smtClean="0"/>
+              <a:rPr lang="en-US"/>
               <a:t>Edit Master text styles</a:t>
             </a:r>
           </a:p>
           <a:p>
             <a:pPr lvl="1"/>
             <a:r>
-              <a:rPr lang="en-US" smtClean="0"/>
+              <a:rPr lang="en-US"/>
               <a:t>Second level</a:t>
             </a:r>
           </a:p>
           <a:p>
             <a:pPr lvl="2"/>
             <a:r>
-              <a:rPr lang="en-US" smtClean="0"/>
+              <a:rPr lang="en-US"/>
               <a:t>Third level</a:t>
             </a:r>
           </a:p>
           <a:p>
             <a:pPr lvl="3"/>
             <a:r>
-              <a:rPr lang="en-US" smtClean="0"/>
+              <a:rPr lang="en-US"/>
               <a:t>Fourth level</a:t>
             </a:r>
           </a:p>
           <a:p>
             <a:pPr lvl="4"/>
             <a:r>
-              <a:rPr lang="en-US" smtClean="0"/>
+              <a:rPr lang="en-US"/>
               <a:t>Fifth level</a:t>
             </a:r>
-            <a:endParaRPr lang="en-US"/>
           </a:p>
         </p:txBody>
       </p:sp>
@@ -2564,7 +2979,7 @@
           <a:p>
             <a:fld id="{AA15078D-9DE8-47D0-8F0F-AA243E1A2060}" type="datetimeFigureOut">
               <a:rPr lang="en-US" smtClean="0"/>
-              <a:t>8/11/2017</a:t>
+              <a:t>6/10/2022</a:t>
             </a:fld>
             <a:endParaRPr lang="en-US"/>
           </a:p>
@@ -2971,14 +3386,14 @@
       </p:grpSpPr>
       <p:sp>
         <p:nvSpPr>
-          <p:cNvPr id="25" name="Rounded Rectangle 24"/>
+          <p:cNvPr id="87" name="Rounded Rectangle 86"/>
           <p:cNvSpPr/>
           <p:nvPr/>
         </p:nvSpPr>
         <p:spPr>
           <a:xfrm>
-            <a:off x="3228615" y="1330228"/>
-            <a:ext cx="1787596" cy="1014844"/>
+            <a:off x="5501067" y="673136"/>
+            <a:ext cx="1828800" cy="1371600"/>
           </a:xfrm>
           <a:prstGeom prst="roundRect">
             <a:avLst/>
@@ -3006,23 +3421,116 @@
           <a:p>
             <a:pPr algn="ctr"/>
             <a:r>
-              <a:rPr lang="en-US" dirty="0" smtClean="0"/>
-              <a:t>Structures</a:t>
-            </a:r>
-            <a:endParaRPr lang="en-US" dirty="0"/>
-          </a:p>
-        </p:txBody>
-      </p:sp>
-      <p:sp>
-        <p:nvSpPr>
-          <p:cNvPr id="87" name="Rounded Rectangle 86"/>
+              <a:rPr lang="en-US" dirty="0"/>
+              <a:t>Internal Forces and Moments</a:t>
+            </a:r>
+          </a:p>
+        </p:txBody>
+      </p:sp>
+      <p:sp>
+        <p:nvSpPr>
+          <p:cNvPr id="94" name="Rounded Rectangle 93"/>
           <p:cNvSpPr/>
           <p:nvPr/>
         </p:nvSpPr>
         <p:spPr>
           <a:xfrm>
-            <a:off x="3228615" y="3283910"/>
-            <a:ext cx="1787596" cy="1014844"/>
+            <a:off x="431542" y="673136"/>
+            <a:ext cx="1828800" cy="1371600"/>
+          </a:xfrm>
+          <a:prstGeom prst="roundRect">
+            <a:avLst/>
+          </a:prstGeom>
+        </p:spPr>
+        <p:style>
+          <a:lnRef idx="2">
+            <a:schemeClr val="accent6">
+              <a:shade val="50000"/>
+            </a:schemeClr>
+          </a:lnRef>
+          <a:fillRef idx="1">
+            <a:schemeClr val="accent6"/>
+          </a:fillRef>
+          <a:effectRef idx="0">
+            <a:schemeClr val="accent6"/>
+          </a:effectRef>
+          <a:fontRef idx="minor">
+            <a:schemeClr val="lt1"/>
+          </a:fontRef>
+        </p:style>
+        <p:txBody>
+          <a:bodyPr rtlCol="0" anchor="ctr"/>
+          <a:lstStyle/>
+          <a:p>
+            <a:pPr algn="ctr"/>
+            <a:r>
+              <a:rPr lang="en-US" dirty="0"/>
+              <a:t>Equilibrium Analysis for a Rigid Body System</a:t>
+            </a:r>
+          </a:p>
+        </p:txBody>
+      </p:sp>
+      <p:cxnSp>
+        <p:nvCxnSpPr>
+          <p:cNvPr id="68" name="Connector: Elbow 67">
+            <a:extLst>
+              <a:ext uri="{FF2B5EF4-FFF2-40B4-BE49-F238E27FC236}">
+                <a16:creationId xmlns:a16="http://schemas.microsoft.com/office/drawing/2014/main" id="{08354595-229B-4E13-87A6-75C6A9AD9E38}"/>
+              </a:ext>
+            </a:extLst>
+          </p:cNvPr>
+          <p:cNvCxnSpPr>
+            <a:cxnSpLocks/>
+            <a:stCxn id="87" idx="2"/>
+            <a:endCxn id="83" idx="0"/>
+          </p:cNvCxnSpPr>
+          <p:nvPr/>
+        </p:nvCxnSpPr>
+        <p:spPr>
+          <a:xfrm rot="5400000">
+            <a:off x="3194905" y="195774"/>
+            <a:ext cx="1371600" cy="5069525"/>
+          </a:xfrm>
+          <a:prstGeom prst="bentConnector3">
+            <a:avLst>
+              <a:gd name="adj1" fmla="val 50000"/>
+            </a:avLst>
+          </a:prstGeom>
+          <a:ln w="38100">
+            <a:tailEnd type="triangle"/>
+          </a:ln>
+        </p:spPr>
+        <p:style>
+          <a:lnRef idx="3">
+            <a:schemeClr val="dk1"/>
+          </a:lnRef>
+          <a:fillRef idx="0">
+            <a:schemeClr val="dk1"/>
+          </a:fillRef>
+          <a:effectRef idx="2">
+            <a:schemeClr val="dk1"/>
+          </a:effectRef>
+          <a:fontRef idx="minor">
+            <a:schemeClr val="tx1"/>
+          </a:fontRef>
+        </p:style>
+      </p:cxnSp>
+      <p:sp>
+        <p:nvSpPr>
+          <p:cNvPr id="83" name="Rounded Rectangle 86">
+            <a:extLst>
+              <a:ext uri="{FF2B5EF4-FFF2-40B4-BE49-F238E27FC236}">
+                <a16:creationId xmlns:a16="http://schemas.microsoft.com/office/drawing/2014/main" id="{8418F218-31FA-4DB0-877B-67E9F133FEEC}"/>
+              </a:ext>
+            </a:extLst>
+          </p:cNvPr>
+          <p:cNvSpPr/>
+          <p:nvPr/>
+        </p:nvSpPr>
+        <p:spPr>
+          <a:xfrm>
+            <a:off x="431542" y="3416336"/>
+            <a:ext cx="1828800" cy="1828800"/>
           </a:xfrm>
           <a:prstGeom prst="roundRect">
             <a:avLst/>
@@ -3050,23 +3558,105 @@
           <a:p>
             <a:pPr algn="ctr"/>
             <a:r>
-              <a:rPr lang="en-US" dirty="0" smtClean="0"/>
-              <a:t>Trusses</a:t>
-            </a:r>
-            <a:endParaRPr lang="en-US" dirty="0"/>
-          </a:p>
-        </p:txBody>
-      </p:sp>
-      <p:sp>
-        <p:nvSpPr>
-          <p:cNvPr id="88" name="Rounded Rectangle 87"/>
+              <a:rPr lang="en-US" dirty="0"/>
+              <a:t>Finding Internal Forces and Moments with Equilibrium Analysis</a:t>
+            </a:r>
+          </a:p>
+        </p:txBody>
+      </p:sp>
+      <p:sp>
+        <p:nvSpPr>
+          <p:cNvPr id="86" name="Rounded Rectangle 33">
+            <a:extLst>
+              <a:ext uri="{FF2B5EF4-FFF2-40B4-BE49-F238E27FC236}">
+                <a16:creationId xmlns:a16="http://schemas.microsoft.com/office/drawing/2014/main" id="{E87B1255-98F3-4909-BE85-BF7D17393120}"/>
+              </a:ext>
+            </a:extLst>
+          </p:cNvPr>
           <p:cNvSpPr/>
           <p:nvPr/>
         </p:nvSpPr>
         <p:spPr>
           <a:xfrm>
-            <a:off x="7339158" y="3283910"/>
-            <a:ext cx="1787596" cy="1014844"/>
+            <a:off x="2899277" y="3416336"/>
+            <a:ext cx="8861181" cy="1828800"/>
+          </a:xfrm>
+          <a:prstGeom prst="roundRect">
+            <a:avLst>
+              <a:gd name="adj" fmla="val 9887"/>
+            </a:avLst>
+          </a:prstGeom>
+          <a:solidFill>
+            <a:schemeClr val="accent1">
+              <a:lumMod val="40000"/>
+              <a:lumOff val="60000"/>
+            </a:schemeClr>
+          </a:solidFill>
+        </p:spPr>
+        <p:style>
+          <a:lnRef idx="2">
+            <a:schemeClr val="accent1">
+              <a:shade val="50000"/>
+            </a:schemeClr>
+          </a:lnRef>
+          <a:fillRef idx="1">
+            <a:schemeClr val="accent1"/>
+          </a:fillRef>
+          <a:effectRef idx="0">
+            <a:schemeClr val="accent1"/>
+          </a:effectRef>
+          <a:fontRef idx="minor">
+            <a:schemeClr val="lt1"/>
+          </a:fontRef>
+        </p:style>
+        <p:txBody>
+          <a:bodyPr rtlCol="0" anchor="ctr"/>
+          <a:lstStyle/>
+          <a:p>
+            <a:pPr algn="ctr"/>
+            <a:r>
+              <a:rPr lang="en-US" dirty="0"/>
+              <a:t>Graphical Approaches</a:t>
+            </a:r>
+          </a:p>
+          <a:p>
+            <a:pPr algn="ctr"/>
+            <a:endParaRPr lang="en-US" dirty="0"/>
+          </a:p>
+          <a:p>
+            <a:pPr algn="ctr"/>
+            <a:endParaRPr lang="en-US" dirty="0"/>
+          </a:p>
+          <a:p>
+            <a:pPr algn="ctr"/>
+            <a:endParaRPr lang="en-US" dirty="0"/>
+          </a:p>
+          <a:p>
+            <a:pPr algn="ctr"/>
+            <a:endParaRPr lang="en-US" dirty="0"/>
+          </a:p>
+          <a:p>
+            <a:pPr algn="ctr"/>
+            <a:endParaRPr lang="en-US" dirty="0"/>
+          </a:p>
+        </p:txBody>
+      </p:sp>
+      <p:sp>
+        <p:nvSpPr>
+          <p:cNvPr id="97" name="Rounded Rectangle 86">
+            <a:extLst>
+              <a:ext uri="{FF2B5EF4-FFF2-40B4-BE49-F238E27FC236}">
+                <a16:creationId xmlns:a16="http://schemas.microsoft.com/office/drawing/2014/main" id="{C4618788-D0FC-498B-ADBB-6FC337ABB533}"/>
+              </a:ext>
+            </a:extLst>
+          </p:cNvPr>
+          <p:cNvSpPr/>
+          <p:nvPr/>
+        </p:nvSpPr>
+        <p:spPr>
+          <a:xfrm>
+            <a:off x="3052973" y="4005494"/>
+            <a:ext cx="1828800" cy="914400"/>
           </a:xfrm>
           <a:prstGeom prst="roundRect">
             <a:avLst/>
@@ -3094,23 +3684,28 @@
           <a:p>
             <a:pPr algn="ctr"/>
             <a:r>
-              <a:rPr lang="en-US" dirty="0" smtClean="0"/>
-              <a:t>Frames and Machines</a:t>
-            </a:r>
-            <a:endParaRPr lang="en-US" dirty="0"/>
-          </a:p>
-        </p:txBody>
-      </p:sp>
-      <p:sp>
-        <p:nvSpPr>
-          <p:cNvPr id="89" name="Rounded Rectangle 88"/>
+              <a:rPr lang="en-US" dirty="0"/>
+              <a:t>Axial Force Diagrams</a:t>
+            </a:r>
+          </a:p>
+        </p:txBody>
+      </p:sp>
+      <p:sp>
+        <p:nvSpPr>
+          <p:cNvPr id="98" name="Rounded Rectangle 86">
+            <a:extLst>
+              <a:ext uri="{FF2B5EF4-FFF2-40B4-BE49-F238E27FC236}">
+                <a16:creationId xmlns:a16="http://schemas.microsoft.com/office/drawing/2014/main" id="{675B0C14-005C-4E2E-876F-8A52355E7A3F}"/>
+              </a:ext>
+            </a:extLst>
+          </p:cNvPr>
           <p:cNvSpPr/>
           <p:nvPr/>
         </p:nvSpPr>
         <p:spPr>
           <a:xfrm>
-            <a:off x="2004797" y="5417702"/>
-            <a:ext cx="1787596" cy="1014844"/>
+            <a:off x="5289475" y="4005494"/>
+            <a:ext cx="1828800" cy="914400"/>
           </a:xfrm>
           <a:prstGeom prst="roundRect">
             <a:avLst/>
@@ -3138,23 +3733,28 @@
           <a:p>
             <a:pPr algn="ctr"/>
             <a:r>
-              <a:rPr lang="en-US" dirty="0" smtClean="0"/>
-              <a:t>Method of Joints</a:t>
-            </a:r>
-            <a:endParaRPr lang="en-US" dirty="0"/>
-          </a:p>
-        </p:txBody>
-      </p:sp>
-      <p:sp>
-        <p:nvSpPr>
-          <p:cNvPr id="90" name="Rounded Rectangle 89"/>
+              <a:rPr lang="en-US" dirty="0"/>
+              <a:t>Torque Diagrams</a:t>
+            </a:r>
+          </a:p>
+        </p:txBody>
+      </p:sp>
+      <p:sp>
+        <p:nvSpPr>
+          <p:cNvPr id="100" name="Rounded Rectangle 86">
+            <a:extLst>
+              <a:ext uri="{FF2B5EF4-FFF2-40B4-BE49-F238E27FC236}">
+                <a16:creationId xmlns:a16="http://schemas.microsoft.com/office/drawing/2014/main" id="{EF7104D0-C133-4F27-A508-D28B789E8724}"/>
+              </a:ext>
+            </a:extLst>
+          </p:cNvPr>
           <p:cNvSpPr/>
           <p:nvPr/>
         </p:nvSpPr>
         <p:spPr>
           <a:xfrm>
-            <a:off x="4519397" y="5417702"/>
-            <a:ext cx="1787596" cy="1014844"/>
+            <a:off x="7525977" y="4005494"/>
+            <a:ext cx="1828800" cy="914400"/>
           </a:xfrm>
           <a:prstGeom prst="roundRect">
             <a:avLst/>
@@ -3182,23 +3782,28 @@
           <a:p>
             <a:pPr algn="ctr"/>
             <a:r>
-              <a:rPr lang="en-US" dirty="0" smtClean="0"/>
-              <a:t>Method of Sections</a:t>
-            </a:r>
-            <a:endParaRPr lang="en-US" dirty="0"/>
-          </a:p>
-        </p:txBody>
-      </p:sp>
-      <p:sp>
-        <p:nvSpPr>
-          <p:cNvPr id="91" name="Rounded Rectangle 90"/>
+              <a:rPr lang="en-US" dirty="0"/>
+              <a:t>Shear Diagrams</a:t>
+            </a:r>
+          </a:p>
+        </p:txBody>
+      </p:sp>
+      <p:sp>
+        <p:nvSpPr>
+          <p:cNvPr id="101" name="Rounded Rectangle 86">
+            <a:extLst>
+              <a:ext uri="{FF2B5EF4-FFF2-40B4-BE49-F238E27FC236}">
+                <a16:creationId xmlns:a16="http://schemas.microsoft.com/office/drawing/2014/main" id="{CC5236EA-B327-40A3-9C65-6D494816F3B0}"/>
+              </a:ext>
+            </a:extLst>
+          </p:cNvPr>
           <p:cNvSpPr/>
           <p:nvPr/>
         </p:nvSpPr>
         <p:spPr>
           <a:xfrm>
-            <a:off x="7339158" y="5417702"/>
-            <a:ext cx="1787596" cy="1014844"/>
+            <a:off x="9762479" y="4005494"/>
+            <a:ext cx="1828800" cy="914400"/>
           </a:xfrm>
           <a:prstGeom prst="roundRect">
             <a:avLst/>
@@ -3226,206 +3831,32 @@
           <a:p>
             <a:pPr algn="ctr"/>
             <a:r>
-              <a:rPr lang="en-US" dirty="0" smtClean="0"/>
-              <a:t>Analysis of Frames and Machines</a:t>
-            </a:r>
-            <a:endParaRPr lang="en-US" dirty="0"/>
-          </a:p>
-        </p:txBody>
-      </p:sp>
-      <p:sp>
-        <p:nvSpPr>
-          <p:cNvPr id="92" name="Rounded Rectangle 91"/>
-          <p:cNvSpPr/>
-          <p:nvPr/>
-        </p:nvSpPr>
-        <p:spPr>
-          <a:xfrm>
-            <a:off x="7339158" y="1330228"/>
-            <a:ext cx="1787596" cy="1014844"/>
-          </a:xfrm>
-          <a:prstGeom prst="roundRect">
-            <a:avLst/>
-          </a:prstGeom>
-        </p:spPr>
-        <p:style>
-          <a:lnRef idx="2">
-            <a:schemeClr val="accent1">
-              <a:shade val="50000"/>
-            </a:schemeClr>
-          </a:lnRef>
-          <a:fillRef idx="1">
-            <a:schemeClr val="accent1"/>
-          </a:fillRef>
-          <a:effectRef idx="0">
-            <a:schemeClr val="accent1"/>
-          </a:effectRef>
-          <a:fontRef idx="minor">
-            <a:schemeClr val="lt1"/>
-          </a:fontRef>
-        </p:style>
-        <p:txBody>
-          <a:bodyPr rtlCol="0" anchor="ctr"/>
-          <a:lstStyle/>
-          <a:p>
-            <a:pPr algn="ctr"/>
-            <a:r>
-              <a:rPr lang="en-US" dirty="0" smtClean="0"/>
-              <a:t>Two Force Members</a:t>
-            </a:r>
-            <a:endParaRPr lang="en-US" dirty="0"/>
-          </a:p>
-        </p:txBody>
-      </p:sp>
-      <p:sp>
-        <p:nvSpPr>
-          <p:cNvPr id="93" name="Rounded Rectangle 92"/>
-          <p:cNvSpPr/>
-          <p:nvPr/>
-        </p:nvSpPr>
-        <p:spPr>
-          <a:xfrm>
-            <a:off x="398640" y="3195345"/>
-            <a:ext cx="1874012" cy="1372084"/>
-          </a:xfrm>
-          <a:prstGeom prst="roundRect">
-            <a:avLst/>
-          </a:prstGeom>
-        </p:spPr>
-        <p:style>
-          <a:lnRef idx="2">
-            <a:schemeClr val="accent6">
-              <a:shade val="50000"/>
-            </a:schemeClr>
-          </a:lnRef>
-          <a:fillRef idx="1">
-            <a:schemeClr val="accent6"/>
-          </a:fillRef>
-          <a:effectRef idx="0">
-            <a:schemeClr val="accent6"/>
-          </a:effectRef>
-          <a:fontRef idx="minor">
-            <a:schemeClr val="lt1"/>
-          </a:fontRef>
-        </p:style>
-        <p:txBody>
-          <a:bodyPr rtlCol="0" anchor="ctr"/>
-          <a:lstStyle/>
-          <a:p>
-            <a:pPr algn="ctr"/>
-            <a:r>
-              <a:rPr lang="en-US" dirty="0" smtClean="0"/>
-              <a:t>Equilibrium Analysis for a Concurrent Force System</a:t>
-            </a:r>
-            <a:endParaRPr lang="en-US" dirty="0"/>
-          </a:p>
-        </p:txBody>
-      </p:sp>
-      <p:sp>
-        <p:nvSpPr>
-          <p:cNvPr id="94" name="Rounded Rectangle 93"/>
-          <p:cNvSpPr/>
-          <p:nvPr/>
-        </p:nvSpPr>
-        <p:spPr>
-          <a:xfrm>
-            <a:off x="9791517" y="3283910"/>
-            <a:ext cx="1874012" cy="1372084"/>
-          </a:xfrm>
-          <a:prstGeom prst="roundRect">
-            <a:avLst/>
-          </a:prstGeom>
-        </p:spPr>
-        <p:style>
-          <a:lnRef idx="2">
-            <a:schemeClr val="accent6">
-              <a:shade val="50000"/>
-            </a:schemeClr>
-          </a:lnRef>
-          <a:fillRef idx="1">
-            <a:schemeClr val="accent6"/>
-          </a:fillRef>
-          <a:effectRef idx="0">
-            <a:schemeClr val="accent6"/>
-          </a:effectRef>
-          <a:fontRef idx="minor">
-            <a:schemeClr val="lt1"/>
-          </a:fontRef>
-        </p:style>
-        <p:txBody>
-          <a:bodyPr rtlCol="0" anchor="ctr"/>
-          <a:lstStyle/>
-          <a:p>
-            <a:pPr algn="ctr"/>
-            <a:r>
-              <a:rPr lang="en-US" dirty="0" smtClean="0"/>
-              <a:t>Equilibrium Analysis for </a:t>
-            </a:r>
-            <a:r>
-              <a:rPr lang="en-US" dirty="0" smtClean="0"/>
-              <a:t>an Extended Body System</a:t>
-            </a:r>
-            <a:endParaRPr lang="en-US" dirty="0"/>
-          </a:p>
-        </p:txBody>
-      </p:sp>
-      <p:sp>
-        <p:nvSpPr>
-          <p:cNvPr id="95" name="Rounded Rectangle 94"/>
-          <p:cNvSpPr/>
-          <p:nvPr/>
-        </p:nvSpPr>
-        <p:spPr>
-          <a:xfrm>
-            <a:off x="9927753" y="5437277"/>
-            <a:ext cx="1601539" cy="975694"/>
-          </a:xfrm>
-          <a:prstGeom prst="roundRect">
-            <a:avLst/>
-          </a:prstGeom>
-        </p:spPr>
-        <p:style>
-          <a:lnRef idx="2">
-            <a:schemeClr val="accent6">
-              <a:shade val="50000"/>
-            </a:schemeClr>
-          </a:lnRef>
-          <a:fillRef idx="1">
-            <a:schemeClr val="accent6"/>
-          </a:fillRef>
-          <a:effectRef idx="0">
-            <a:schemeClr val="accent6"/>
-          </a:effectRef>
-          <a:fontRef idx="minor">
-            <a:schemeClr val="lt1"/>
-          </a:fontRef>
-        </p:style>
-        <p:txBody>
-          <a:bodyPr rtlCol="0" anchor="ctr"/>
-          <a:lstStyle/>
-          <a:p>
-            <a:pPr algn="ctr"/>
-            <a:r>
-              <a:rPr lang="en-US" dirty="0" smtClean="0"/>
-              <a:t>Newton’s Third Law</a:t>
-            </a:r>
-            <a:endParaRPr lang="en-US" dirty="0"/>
+              <a:rPr lang="en-US" dirty="0"/>
+              <a:t>Moment Diagrams</a:t>
+            </a:r>
           </a:p>
         </p:txBody>
       </p:sp>
       <p:cxnSp>
         <p:nvCxnSpPr>
-          <p:cNvPr id="96" name="Straight Arrow Connector 95"/>
+          <p:cNvPr id="103" name="Straight Arrow Connector 102">
+            <a:extLst>
+              <a:ext uri="{FF2B5EF4-FFF2-40B4-BE49-F238E27FC236}">
+                <a16:creationId xmlns:a16="http://schemas.microsoft.com/office/drawing/2014/main" id="{52E87210-25A2-4CBC-9DDE-6F167B220E62}"/>
+              </a:ext>
+            </a:extLst>
+          </p:cNvPr>
           <p:cNvCxnSpPr>
-            <a:stCxn id="25" idx="2"/>
-            <a:endCxn id="87" idx="0"/>
+            <a:cxnSpLocks/>
+            <a:stCxn id="94" idx="2"/>
+            <a:endCxn id="83" idx="0"/>
           </p:cNvCxnSpPr>
           <p:nvPr/>
         </p:nvCxnSpPr>
         <p:spPr>
           <a:xfrm>
-            <a:off x="4122413" y="2345072"/>
-            <a:ext cx="0" cy="938838"/>
+            <a:off x="1345942" y="2044736"/>
+            <a:ext cx="0" cy="1371600"/>
           </a:xfrm>
           <a:prstGeom prst="straightConnector1">
             <a:avLst/>
@@ -3451,20 +3882,29 @@
       </p:cxnSp>
       <p:cxnSp>
         <p:nvCxnSpPr>
-          <p:cNvPr id="99" name="Straight Arrow Connector 98"/>
+          <p:cNvPr id="104" name="Connector: Elbow 103">
+            <a:extLst>
+              <a:ext uri="{FF2B5EF4-FFF2-40B4-BE49-F238E27FC236}">
+                <a16:creationId xmlns:a16="http://schemas.microsoft.com/office/drawing/2014/main" id="{C318374F-6925-48B0-B1FD-3299832ACE30}"/>
+              </a:ext>
+            </a:extLst>
+          </p:cNvPr>
           <p:cNvCxnSpPr>
-            <a:stCxn id="25" idx="2"/>
-            <a:endCxn id="88" idx="0"/>
+            <a:cxnSpLocks/>
+            <a:stCxn id="87" idx="2"/>
+            <a:endCxn id="86" idx="0"/>
           </p:cNvCxnSpPr>
           <p:nvPr/>
         </p:nvCxnSpPr>
         <p:spPr>
-          <a:xfrm>
-            <a:off x="4122413" y="2345072"/>
-            <a:ext cx="4110543" cy="938838"/>
+          <a:xfrm rot="16200000" flipH="1">
+            <a:off x="6186867" y="2273335"/>
+            <a:ext cx="1371600" cy="914401"/>
           </a:xfrm>
-          <a:prstGeom prst="straightConnector1">
-            <a:avLst/>
+          <a:prstGeom prst="bentConnector3">
+            <a:avLst>
+              <a:gd name="adj1" fmla="val 50000"/>
+            </a:avLst>
           </a:prstGeom>
           <a:ln w="38100">
             <a:tailEnd type="triangle"/>
@@ -3487,305 +3927,24 @@
       </p:cxnSp>
       <p:cxnSp>
         <p:nvCxnSpPr>
-          <p:cNvPr id="102" name="Straight Arrow Connector 101"/>
+          <p:cNvPr id="106" name="Straight Arrow Connector 105">
+            <a:extLst>
+              <a:ext uri="{FF2B5EF4-FFF2-40B4-BE49-F238E27FC236}">
+                <a16:creationId xmlns:a16="http://schemas.microsoft.com/office/drawing/2014/main" id="{E24025E2-A5AD-4AD4-A9D9-98DD0C65A083}"/>
+              </a:ext>
+            </a:extLst>
+          </p:cNvPr>
           <p:cNvCxnSpPr>
-            <a:stCxn id="92" idx="2"/>
-            <a:endCxn id="88" idx="0"/>
+            <a:cxnSpLocks/>
+            <a:stCxn id="100" idx="3"/>
+            <a:endCxn id="101" idx="1"/>
           </p:cNvCxnSpPr>
           <p:nvPr/>
         </p:nvCxnSpPr>
         <p:spPr>
           <a:xfrm>
-            <a:off x="8232956" y="2345072"/>
-            <a:ext cx="0" cy="938838"/>
-          </a:xfrm>
-          <a:prstGeom prst="straightConnector1">
-            <a:avLst/>
-          </a:prstGeom>
-          <a:ln w="38100">
-            <a:tailEnd type="triangle"/>
-          </a:ln>
-        </p:spPr>
-        <p:style>
-          <a:lnRef idx="3">
-            <a:schemeClr val="dk1"/>
-          </a:lnRef>
-          <a:fillRef idx="0">
-            <a:schemeClr val="dk1"/>
-          </a:fillRef>
-          <a:effectRef idx="2">
-            <a:schemeClr val="dk1"/>
-          </a:effectRef>
-          <a:fontRef idx="minor">
-            <a:schemeClr val="tx1"/>
-          </a:fontRef>
-        </p:style>
-      </p:cxnSp>
-      <p:cxnSp>
-        <p:nvCxnSpPr>
-          <p:cNvPr id="105" name="Straight Arrow Connector 104"/>
-          <p:cNvCxnSpPr>
-            <a:stCxn id="92" idx="2"/>
-            <a:endCxn id="87" idx="0"/>
-          </p:cNvCxnSpPr>
-          <p:nvPr/>
-        </p:nvCxnSpPr>
-        <p:spPr>
-          <a:xfrm flipH="1">
-            <a:off x="4122413" y="2345072"/>
-            <a:ext cx="4110543" cy="938838"/>
-          </a:xfrm>
-          <a:prstGeom prst="straightConnector1">
-            <a:avLst/>
-          </a:prstGeom>
-          <a:ln w="38100">
-            <a:tailEnd type="triangle"/>
-          </a:ln>
-        </p:spPr>
-        <p:style>
-          <a:lnRef idx="3">
-            <a:schemeClr val="dk1"/>
-          </a:lnRef>
-          <a:fillRef idx="0">
-            <a:schemeClr val="dk1"/>
-          </a:fillRef>
-          <a:effectRef idx="2">
-            <a:schemeClr val="dk1"/>
-          </a:effectRef>
-          <a:fontRef idx="minor">
-            <a:schemeClr val="tx1"/>
-          </a:fontRef>
-        </p:style>
-      </p:cxnSp>
-      <p:cxnSp>
-        <p:nvCxnSpPr>
-          <p:cNvPr id="108" name="Straight Arrow Connector 107"/>
-          <p:cNvCxnSpPr>
-            <a:stCxn id="87" idx="2"/>
-            <a:endCxn id="89" idx="0"/>
-          </p:cNvCxnSpPr>
-          <p:nvPr/>
-        </p:nvCxnSpPr>
-        <p:spPr>
-          <a:xfrm flipH="1">
-            <a:off x="2898595" y="4298754"/>
-            <a:ext cx="1223818" cy="1118948"/>
-          </a:xfrm>
-          <a:prstGeom prst="straightConnector1">
-            <a:avLst/>
-          </a:prstGeom>
-          <a:ln w="38100">
-            <a:tailEnd type="triangle"/>
-          </a:ln>
-        </p:spPr>
-        <p:style>
-          <a:lnRef idx="3">
-            <a:schemeClr val="dk1"/>
-          </a:lnRef>
-          <a:fillRef idx="0">
-            <a:schemeClr val="dk1"/>
-          </a:fillRef>
-          <a:effectRef idx="2">
-            <a:schemeClr val="dk1"/>
-          </a:effectRef>
-          <a:fontRef idx="minor">
-            <a:schemeClr val="tx1"/>
-          </a:fontRef>
-        </p:style>
-      </p:cxnSp>
-      <p:cxnSp>
-        <p:nvCxnSpPr>
-          <p:cNvPr id="111" name="Straight Arrow Connector 110"/>
-          <p:cNvCxnSpPr>
-            <a:stCxn id="87" idx="2"/>
-            <a:endCxn id="90" idx="0"/>
-          </p:cNvCxnSpPr>
-          <p:nvPr/>
-        </p:nvCxnSpPr>
-        <p:spPr>
-          <a:xfrm>
-            <a:off x="4122413" y="4298754"/>
-            <a:ext cx="1290782" cy="1118948"/>
-          </a:xfrm>
-          <a:prstGeom prst="straightConnector1">
-            <a:avLst/>
-          </a:prstGeom>
-          <a:ln w="38100">
-            <a:tailEnd type="triangle"/>
-          </a:ln>
-        </p:spPr>
-        <p:style>
-          <a:lnRef idx="3">
-            <a:schemeClr val="dk1"/>
-          </a:lnRef>
-          <a:fillRef idx="0">
-            <a:schemeClr val="dk1"/>
-          </a:fillRef>
-          <a:effectRef idx="2">
-            <a:schemeClr val="dk1"/>
-          </a:effectRef>
-          <a:fontRef idx="minor">
-            <a:schemeClr val="tx1"/>
-          </a:fontRef>
-        </p:style>
-      </p:cxnSp>
-      <p:cxnSp>
-        <p:nvCxnSpPr>
-          <p:cNvPr id="114" name="Straight Arrow Connector 113"/>
-          <p:cNvCxnSpPr>
-            <a:stCxn id="88" idx="2"/>
-            <a:endCxn id="91" idx="0"/>
-          </p:cNvCxnSpPr>
-          <p:nvPr/>
-        </p:nvCxnSpPr>
-        <p:spPr>
-          <a:xfrm>
-            <a:off x="8232956" y="4298754"/>
-            <a:ext cx="0" cy="1118948"/>
-          </a:xfrm>
-          <a:prstGeom prst="straightConnector1">
-            <a:avLst/>
-          </a:prstGeom>
-          <a:ln w="38100">
-            <a:tailEnd type="triangle"/>
-          </a:ln>
-        </p:spPr>
-        <p:style>
-          <a:lnRef idx="3">
-            <a:schemeClr val="dk1"/>
-          </a:lnRef>
-          <a:fillRef idx="0">
-            <a:schemeClr val="dk1"/>
-          </a:fillRef>
-          <a:effectRef idx="2">
-            <a:schemeClr val="dk1"/>
-          </a:effectRef>
-          <a:fontRef idx="minor">
-            <a:schemeClr val="tx1"/>
-          </a:fontRef>
-        </p:style>
-      </p:cxnSp>
-      <p:cxnSp>
-        <p:nvCxnSpPr>
-          <p:cNvPr id="117" name="Straight Arrow Connector 116"/>
-          <p:cNvCxnSpPr>
-            <a:stCxn id="94" idx="2"/>
-            <a:endCxn id="90" idx="0"/>
-          </p:cNvCxnSpPr>
-          <p:nvPr/>
-        </p:nvCxnSpPr>
-        <p:spPr>
-          <a:xfrm flipH="1">
-            <a:off x="5413195" y="4655994"/>
-            <a:ext cx="5315328" cy="761708"/>
-          </a:xfrm>
-          <a:prstGeom prst="straightConnector1">
-            <a:avLst/>
-          </a:prstGeom>
-          <a:ln w="38100">
-            <a:tailEnd type="triangle"/>
-          </a:ln>
-        </p:spPr>
-        <p:style>
-          <a:lnRef idx="3">
-            <a:schemeClr val="dk1"/>
-          </a:lnRef>
-          <a:fillRef idx="0">
-            <a:schemeClr val="dk1"/>
-          </a:fillRef>
-          <a:effectRef idx="2">
-            <a:schemeClr val="dk1"/>
-          </a:effectRef>
-          <a:fontRef idx="minor">
-            <a:schemeClr val="tx1"/>
-          </a:fontRef>
-        </p:style>
-      </p:cxnSp>
-      <p:cxnSp>
-        <p:nvCxnSpPr>
-          <p:cNvPr id="118" name="Straight Arrow Connector 117"/>
-          <p:cNvCxnSpPr>
-            <a:stCxn id="93" idx="2"/>
-            <a:endCxn id="89" idx="0"/>
-          </p:cNvCxnSpPr>
-          <p:nvPr/>
-        </p:nvCxnSpPr>
-        <p:spPr>
-          <a:xfrm>
-            <a:off x="1335646" y="4567429"/>
-            <a:ext cx="1562949" cy="850273"/>
-          </a:xfrm>
-          <a:prstGeom prst="straightConnector1">
-            <a:avLst/>
-          </a:prstGeom>
-          <a:ln w="38100">
-            <a:tailEnd type="triangle"/>
-          </a:ln>
-        </p:spPr>
-        <p:style>
-          <a:lnRef idx="3">
-            <a:schemeClr val="dk1"/>
-          </a:lnRef>
-          <a:fillRef idx="0">
-            <a:schemeClr val="dk1"/>
-          </a:fillRef>
-          <a:effectRef idx="2">
-            <a:schemeClr val="dk1"/>
-          </a:effectRef>
-          <a:fontRef idx="minor">
-            <a:schemeClr val="tx1"/>
-          </a:fontRef>
-        </p:style>
-      </p:cxnSp>
-      <p:cxnSp>
-        <p:nvCxnSpPr>
-          <p:cNvPr id="123" name="Straight Arrow Connector 122"/>
-          <p:cNvCxnSpPr>
-            <a:stCxn id="94" idx="2"/>
-            <a:endCxn id="91" idx="0"/>
-          </p:cNvCxnSpPr>
-          <p:nvPr/>
-        </p:nvCxnSpPr>
-        <p:spPr>
-          <a:xfrm flipH="1">
-            <a:off x="8232956" y="4655994"/>
-            <a:ext cx="2495567" cy="761708"/>
-          </a:xfrm>
-          <a:prstGeom prst="straightConnector1">
-            <a:avLst/>
-          </a:prstGeom>
-          <a:ln w="38100">
-            <a:tailEnd type="triangle"/>
-          </a:ln>
-        </p:spPr>
-        <p:style>
-          <a:lnRef idx="3">
-            <a:schemeClr val="dk1"/>
-          </a:lnRef>
-          <a:fillRef idx="0">
-            <a:schemeClr val="dk1"/>
-          </a:fillRef>
-          <a:effectRef idx="2">
-            <a:schemeClr val="dk1"/>
-          </a:effectRef>
-          <a:fontRef idx="minor">
-            <a:schemeClr val="tx1"/>
-          </a:fontRef>
-        </p:style>
-      </p:cxnSp>
-      <p:cxnSp>
-        <p:nvCxnSpPr>
-          <p:cNvPr id="126" name="Straight Arrow Connector 125"/>
-          <p:cNvCxnSpPr>
-            <a:stCxn id="95" idx="1"/>
-            <a:endCxn id="91" idx="3"/>
-          </p:cNvCxnSpPr>
-          <p:nvPr/>
-        </p:nvCxnSpPr>
-        <p:spPr>
-          <a:xfrm flipH="1">
-            <a:off x="9126754" y="5925124"/>
-            <a:ext cx="800999" cy="0"/>
+            <a:off x="9354777" y="4462694"/>
+            <a:ext cx="407702" cy="0"/>
           </a:xfrm>
           <a:prstGeom prst="straightConnector1">
             <a:avLst/>
@@ -3853,7 +4012,7 @@
                                           </p:stCondLst>
                                         </p:cTn>
                                         <p:tgtEl>
-                                          <p:spTgt spid="25"/>
+                                          <p:spTgt spid="87"/>
                                         </p:tgtEl>
                                         <p:attrNameLst>
                                           <p:attrName>style.visibility</p:attrName>
@@ -3867,7 +4026,7 @@
                                       <p:cBhvr>
                                         <p:cTn id="7" dur="500"/>
                                         <p:tgtEl>
-                                          <p:spTgt spid="25"/>
+                                          <p:spTgt spid="87"/>
                                         </p:tgtEl>
                                       </p:cBhvr>
                                     </p:animEffect>
@@ -3906,7 +4065,7 @@
                                           </p:stCondLst>
                                         </p:cTn>
                                         <p:tgtEl>
-                                          <p:spTgt spid="96"/>
+                                          <p:spTgt spid="68"/>
                                         </p:tgtEl>
                                         <p:attrNameLst>
                                           <p:attrName>style.visibility</p:attrName>
@@ -3920,7 +4079,7 @@
                                       <p:cBhvr>
                                         <p:cTn id="12" dur="500"/>
                                         <p:tgtEl>
-                                          <p:spTgt spid="96"/>
+                                          <p:spTgt spid="68"/>
                                         </p:tgtEl>
                                       </p:cBhvr>
                                     </p:animEffect>
@@ -3941,7 +4100,7 @@
                                           </p:stCondLst>
                                         </p:cTn>
                                         <p:tgtEl>
-                                          <p:spTgt spid="87"/>
+                                          <p:spTgt spid="83"/>
                                         </p:tgtEl>
                                         <p:attrNameLst>
                                           <p:attrName>style.visibility</p:attrName>
@@ -3955,7 +4114,7 @@
                                       <p:cBhvr>
                                         <p:cTn id="15" dur="500"/>
                                         <p:tgtEl>
-                                          <p:spTgt spid="87"/>
+                                          <p:spTgt spid="83"/>
                                         </p:tgtEl>
                                       </p:cBhvr>
                                     </p:animEffect>
@@ -3981,7 +4140,7 @@
                             </p:stCondLst>
                             <p:childTnLst>
                               <p:par>
-                                <p:cTn id="18" presetID="10" presetClass="entr" presetSubtype="0" fill="hold" nodeType="clickEffect">
+                                <p:cTn id="18" presetID="10" presetClass="entr" presetSubtype="0" fill="hold" grpId="0" nodeType="clickEffect">
                                   <p:stCondLst>
                                     <p:cond delay="0"/>
                                   </p:stCondLst>
@@ -3994,7 +4153,7 @@
                                           </p:stCondLst>
                                         </p:cTn>
                                         <p:tgtEl>
-                                          <p:spTgt spid="99"/>
+                                          <p:spTgt spid="94"/>
                                         </p:tgtEl>
                                         <p:attrNameLst>
                                           <p:attrName>style.visibility</p:attrName>
@@ -4008,7 +4167,7 @@
                                       <p:cBhvr>
                                         <p:cTn id="20" dur="500"/>
                                         <p:tgtEl>
-                                          <p:spTgt spid="99"/>
+                                          <p:spTgt spid="94"/>
                                         </p:tgtEl>
                                       </p:cBhvr>
                                     </p:animEffect>
@@ -4016,7 +4175,7 @@
                                 </p:cTn>
                               </p:par>
                               <p:par>
-                                <p:cTn id="21" presetID="10" presetClass="entr" presetSubtype="0" fill="hold" grpId="0" nodeType="withEffect">
+                                <p:cTn id="21" presetID="10" presetClass="entr" presetSubtype="0" fill="hold" nodeType="withEffect">
                                   <p:stCondLst>
                                     <p:cond delay="0"/>
                                   </p:stCondLst>
@@ -4029,7 +4188,7 @@
                                           </p:stCondLst>
                                         </p:cTn>
                                         <p:tgtEl>
-                                          <p:spTgt spid="88"/>
+                                          <p:spTgt spid="103"/>
                                         </p:tgtEl>
                                         <p:attrNameLst>
                                           <p:attrName>style.visibility</p:attrName>
@@ -4043,7 +4202,7 @@
                                       <p:cBhvr>
                                         <p:cTn id="23" dur="500"/>
                                         <p:tgtEl>
-                                          <p:spTgt spid="88"/>
+                                          <p:spTgt spid="103"/>
                                         </p:tgtEl>
                                       </p:cBhvr>
                                     </p:animEffect>
@@ -4069,7 +4228,7 @@
                             </p:stCondLst>
                             <p:childTnLst>
                               <p:par>
-                                <p:cTn id="26" presetID="10" presetClass="entr" presetSubtype="0" fill="hold" nodeType="clickEffect">
+                                <p:cTn id="26" presetID="10" presetClass="entr" presetSubtype="0" fill="hold" grpId="0" nodeType="clickEffect">
                                   <p:stCondLst>
                                     <p:cond delay="0"/>
                                   </p:stCondLst>
@@ -4082,7 +4241,7 @@
                                           </p:stCondLst>
                                         </p:cTn>
                                         <p:tgtEl>
-                                          <p:spTgt spid="105"/>
+                                          <p:spTgt spid="86"/>
                                         </p:tgtEl>
                                         <p:attrNameLst>
                                           <p:attrName>style.visibility</p:attrName>
@@ -4096,7 +4255,7 @@
                                       <p:cBhvr>
                                         <p:cTn id="28" dur="500"/>
                                         <p:tgtEl>
-                                          <p:spTgt spid="105"/>
+                                          <p:spTgt spid="86"/>
                                         </p:tgtEl>
                                       </p:cBhvr>
                                     </p:animEffect>
@@ -4117,7 +4276,7 @@
                                           </p:stCondLst>
                                         </p:cTn>
                                         <p:tgtEl>
-                                          <p:spTgt spid="102"/>
+                                          <p:spTgt spid="104"/>
                                         </p:tgtEl>
                                         <p:attrNameLst>
                                           <p:attrName>style.visibility</p:attrName>
@@ -4131,42 +4290,7 @@
                                       <p:cBhvr>
                                         <p:cTn id="31" dur="500"/>
                                         <p:tgtEl>
-                                          <p:spTgt spid="102"/>
-                                        </p:tgtEl>
-                                      </p:cBhvr>
-                                    </p:animEffect>
-                                  </p:childTnLst>
-                                </p:cTn>
-                              </p:par>
-                              <p:par>
-                                <p:cTn id="32" presetID="10" presetClass="entr" presetSubtype="0" fill="hold" grpId="0" nodeType="withEffect">
-                                  <p:stCondLst>
-                                    <p:cond delay="0"/>
-                                  </p:stCondLst>
-                                  <p:childTnLst>
-                                    <p:set>
-                                      <p:cBhvr>
-                                        <p:cTn id="33" dur="1" fill="hold">
-                                          <p:stCondLst>
-                                            <p:cond delay="0"/>
-                                          </p:stCondLst>
-                                        </p:cTn>
-                                        <p:tgtEl>
-                                          <p:spTgt spid="92"/>
-                                        </p:tgtEl>
-                                        <p:attrNameLst>
-                                          <p:attrName>style.visibility</p:attrName>
-                                        </p:attrNameLst>
-                                      </p:cBhvr>
-                                      <p:to>
-                                        <p:strVal val="visible"/>
-                                      </p:to>
-                                    </p:set>
-                                    <p:animEffect transition="in" filter="fade">
-                                      <p:cBhvr>
-                                        <p:cTn id="34" dur="500"/>
-                                        <p:tgtEl>
-                                          <p:spTgt spid="92"/>
+                                          <p:spTgt spid="104"/>
                                         </p:tgtEl>
                                       </p:cBhvr>
                                     </p:animEffect>
@@ -4180,32 +4304,32 @@
                     </p:cTn>
                   </p:par>
                   <p:par>
-                    <p:cTn id="35" fill="hold">
+                    <p:cTn id="32" fill="hold">
                       <p:stCondLst>
                         <p:cond delay="indefinite"/>
                       </p:stCondLst>
                       <p:childTnLst>
                         <p:par>
-                          <p:cTn id="36" fill="hold">
+                          <p:cTn id="33" fill="hold">
                             <p:stCondLst>
                               <p:cond delay="0"/>
                             </p:stCondLst>
                             <p:childTnLst>
                               <p:par>
-                                <p:cTn id="37" presetID="10" presetClass="entr" presetSubtype="0" fill="hold" nodeType="clickEffect">
+                                <p:cTn id="34" presetID="10" presetClass="entr" presetSubtype="0" fill="hold" grpId="0" nodeType="clickEffect">
                                   <p:stCondLst>
                                     <p:cond delay="0"/>
                                   </p:stCondLst>
                                   <p:childTnLst>
                                     <p:set>
                                       <p:cBhvr>
-                                        <p:cTn id="38" dur="1" fill="hold">
+                                        <p:cTn id="35" dur="1" fill="hold">
                                           <p:stCondLst>
                                             <p:cond delay="0"/>
                                           </p:stCondLst>
                                         </p:cTn>
                                         <p:tgtEl>
-                                          <p:spTgt spid="108"/>
+                                          <p:spTgt spid="97"/>
                                         </p:tgtEl>
                                         <p:attrNameLst>
                                           <p:attrName>style.visibility</p:attrName>
@@ -4217,44 +4341,9 @@
                                     </p:set>
                                     <p:animEffect transition="in" filter="fade">
                                       <p:cBhvr>
-                                        <p:cTn id="39" dur="500"/>
+                                        <p:cTn id="36" dur="500"/>
                                         <p:tgtEl>
-                                          <p:spTgt spid="108"/>
-                                        </p:tgtEl>
-                                      </p:cBhvr>
-                                    </p:animEffect>
-                                  </p:childTnLst>
-                                </p:cTn>
-                              </p:par>
-                              <p:par>
-                                <p:cTn id="40" presetID="10" presetClass="entr" presetSubtype="0" fill="hold" grpId="0" nodeType="withEffect">
-                                  <p:stCondLst>
-                                    <p:cond delay="0"/>
-                                  </p:stCondLst>
-                                  <p:childTnLst>
-                                    <p:set>
-                                      <p:cBhvr>
-                                        <p:cTn id="41" dur="1" fill="hold">
-                                          <p:stCondLst>
-                                            <p:cond delay="0"/>
-                                          </p:stCondLst>
-                                        </p:cTn>
-                                        <p:tgtEl>
-                                          <p:spTgt spid="89"/>
-                                        </p:tgtEl>
-                                        <p:attrNameLst>
-                                          <p:attrName>style.visibility</p:attrName>
-                                        </p:attrNameLst>
-                                      </p:cBhvr>
-                                      <p:to>
-                                        <p:strVal val="visible"/>
-                                      </p:to>
-                                    </p:set>
-                                    <p:animEffect transition="in" filter="fade">
-                                      <p:cBhvr>
-                                        <p:cTn id="42" dur="500"/>
-                                        <p:tgtEl>
-                                          <p:spTgt spid="89"/>
+                                          <p:spTgt spid="97"/>
                                         </p:tgtEl>
                                       </p:cBhvr>
                                     </p:animEffect>
@@ -4268,32 +4357,32 @@
                     </p:cTn>
                   </p:par>
                   <p:par>
-                    <p:cTn id="43" fill="hold">
+                    <p:cTn id="37" fill="hold">
                       <p:stCondLst>
                         <p:cond delay="indefinite"/>
                       </p:stCondLst>
                       <p:childTnLst>
                         <p:par>
-                          <p:cTn id="44" fill="hold">
+                          <p:cTn id="38" fill="hold">
                             <p:stCondLst>
                               <p:cond delay="0"/>
                             </p:stCondLst>
                             <p:childTnLst>
                               <p:par>
-                                <p:cTn id="45" presetID="10" presetClass="entr" presetSubtype="0" fill="hold" nodeType="clickEffect">
+                                <p:cTn id="39" presetID="10" presetClass="entr" presetSubtype="0" fill="hold" grpId="0" nodeType="clickEffect">
                                   <p:stCondLst>
                                     <p:cond delay="0"/>
                                   </p:stCondLst>
                                   <p:childTnLst>
                                     <p:set>
                                       <p:cBhvr>
-                                        <p:cTn id="46" dur="1" fill="hold">
+                                        <p:cTn id="40" dur="1" fill="hold">
                                           <p:stCondLst>
                                             <p:cond delay="0"/>
                                           </p:stCondLst>
                                         </p:cTn>
                                         <p:tgtEl>
-                                          <p:spTgt spid="118"/>
+                                          <p:spTgt spid="98"/>
                                         </p:tgtEl>
                                         <p:attrNameLst>
                                           <p:attrName>style.visibility</p:attrName>
@@ -4305,44 +4394,9 @@
                                     </p:set>
                                     <p:animEffect transition="in" filter="fade">
                                       <p:cBhvr>
-                                        <p:cTn id="47" dur="500"/>
+                                        <p:cTn id="41" dur="500"/>
                                         <p:tgtEl>
-                                          <p:spTgt spid="118"/>
-                                        </p:tgtEl>
-                                      </p:cBhvr>
-                                    </p:animEffect>
-                                  </p:childTnLst>
-                                </p:cTn>
-                              </p:par>
-                              <p:par>
-                                <p:cTn id="48" presetID="10" presetClass="entr" presetSubtype="0" fill="hold" grpId="0" nodeType="withEffect">
-                                  <p:stCondLst>
-                                    <p:cond delay="0"/>
-                                  </p:stCondLst>
-                                  <p:childTnLst>
-                                    <p:set>
-                                      <p:cBhvr>
-                                        <p:cTn id="49" dur="1" fill="hold">
-                                          <p:stCondLst>
-                                            <p:cond delay="0"/>
-                                          </p:stCondLst>
-                                        </p:cTn>
-                                        <p:tgtEl>
-                                          <p:spTgt spid="93"/>
-                                        </p:tgtEl>
-                                        <p:attrNameLst>
-                                          <p:attrName>style.visibility</p:attrName>
-                                        </p:attrNameLst>
-                                      </p:cBhvr>
-                                      <p:to>
-                                        <p:strVal val="visible"/>
-                                      </p:to>
-                                    </p:set>
-                                    <p:animEffect transition="in" filter="fade">
-                                      <p:cBhvr>
-                                        <p:cTn id="50" dur="500"/>
-                                        <p:tgtEl>
-                                          <p:spTgt spid="93"/>
+                                          <p:spTgt spid="98"/>
                                         </p:tgtEl>
                                       </p:cBhvr>
                                     </p:animEffect>
@@ -4356,32 +4410,32 @@
                     </p:cTn>
                   </p:par>
                   <p:par>
-                    <p:cTn id="51" fill="hold">
+                    <p:cTn id="42" fill="hold">
                       <p:stCondLst>
                         <p:cond delay="indefinite"/>
                       </p:stCondLst>
                       <p:childTnLst>
                         <p:par>
-                          <p:cTn id="52" fill="hold">
+                          <p:cTn id="43" fill="hold">
                             <p:stCondLst>
                               <p:cond delay="0"/>
                             </p:stCondLst>
                             <p:childTnLst>
                               <p:par>
-                                <p:cTn id="53" presetID="10" presetClass="entr" presetSubtype="0" fill="hold" nodeType="clickEffect">
+                                <p:cTn id="44" presetID="10" presetClass="entr" presetSubtype="0" fill="hold" grpId="0" nodeType="clickEffect">
                                   <p:stCondLst>
                                     <p:cond delay="0"/>
                                   </p:stCondLst>
                                   <p:childTnLst>
                                     <p:set>
                                       <p:cBhvr>
-                                        <p:cTn id="54" dur="1" fill="hold">
+                                        <p:cTn id="45" dur="1" fill="hold">
                                           <p:stCondLst>
                                             <p:cond delay="0"/>
                                           </p:stCondLst>
                                         </p:cTn>
                                         <p:tgtEl>
-                                          <p:spTgt spid="111"/>
+                                          <p:spTgt spid="100"/>
                                         </p:tgtEl>
                                         <p:attrNameLst>
                                           <p:attrName>style.visibility</p:attrName>
@@ -4393,44 +4447,9 @@
                                     </p:set>
                                     <p:animEffect transition="in" filter="fade">
                                       <p:cBhvr>
-                                        <p:cTn id="55" dur="500"/>
+                                        <p:cTn id="46" dur="500"/>
                                         <p:tgtEl>
-                                          <p:spTgt spid="111"/>
-                                        </p:tgtEl>
-                                      </p:cBhvr>
-                                    </p:animEffect>
-                                  </p:childTnLst>
-                                </p:cTn>
-                              </p:par>
-                              <p:par>
-                                <p:cTn id="56" presetID="10" presetClass="entr" presetSubtype="0" fill="hold" grpId="0" nodeType="withEffect">
-                                  <p:stCondLst>
-                                    <p:cond delay="0"/>
-                                  </p:stCondLst>
-                                  <p:childTnLst>
-                                    <p:set>
-                                      <p:cBhvr>
-                                        <p:cTn id="57" dur="1" fill="hold">
-                                          <p:stCondLst>
-                                            <p:cond delay="0"/>
-                                          </p:stCondLst>
-                                        </p:cTn>
-                                        <p:tgtEl>
-                                          <p:spTgt spid="90"/>
-                                        </p:tgtEl>
-                                        <p:attrNameLst>
-                                          <p:attrName>style.visibility</p:attrName>
-                                        </p:attrNameLst>
-                                      </p:cBhvr>
-                                      <p:to>
-                                        <p:strVal val="visible"/>
-                                      </p:to>
-                                    </p:set>
-                                    <p:animEffect transition="in" filter="fade">
-                                      <p:cBhvr>
-                                        <p:cTn id="58" dur="500"/>
-                                        <p:tgtEl>
-                                          <p:spTgt spid="90"/>
+                                          <p:spTgt spid="100"/>
                                         </p:tgtEl>
                                       </p:cBhvr>
                                     </p:animEffect>
@@ -4444,32 +4463,32 @@
                     </p:cTn>
                   </p:par>
                   <p:par>
-                    <p:cTn id="59" fill="hold">
+                    <p:cTn id="47" fill="hold">
                       <p:stCondLst>
                         <p:cond delay="indefinite"/>
                       </p:stCondLst>
                       <p:childTnLst>
                         <p:par>
-                          <p:cTn id="60" fill="hold">
+                          <p:cTn id="48" fill="hold">
                             <p:stCondLst>
                               <p:cond delay="0"/>
                             </p:stCondLst>
                             <p:childTnLst>
                               <p:par>
-                                <p:cTn id="61" presetID="10" presetClass="entr" presetSubtype="0" fill="hold" grpId="0" nodeType="clickEffect">
+                                <p:cTn id="49" presetID="10" presetClass="entr" presetSubtype="0" fill="hold" grpId="0" nodeType="clickEffect">
                                   <p:stCondLst>
                                     <p:cond delay="0"/>
                                   </p:stCondLst>
                                   <p:childTnLst>
                                     <p:set>
                                       <p:cBhvr>
-                                        <p:cTn id="62" dur="1" fill="hold">
+                                        <p:cTn id="50" dur="1" fill="hold">
                                           <p:stCondLst>
                                             <p:cond delay="0"/>
                                           </p:stCondLst>
                                         </p:cTn>
                                         <p:tgtEl>
-                                          <p:spTgt spid="94"/>
+                                          <p:spTgt spid="101"/>
                                         </p:tgtEl>
                                         <p:attrNameLst>
                                           <p:attrName>style.visibility</p:attrName>
@@ -4481,44 +4500,9 @@
                                     </p:set>
                                     <p:animEffect transition="in" filter="fade">
                                       <p:cBhvr>
-                                        <p:cTn id="63" dur="500"/>
+                                        <p:cTn id="51" dur="500"/>
                                         <p:tgtEl>
-                                          <p:spTgt spid="94"/>
-                                        </p:tgtEl>
-                                      </p:cBhvr>
-                                    </p:animEffect>
-                                  </p:childTnLst>
-                                </p:cTn>
-                              </p:par>
-                              <p:par>
-                                <p:cTn id="64" presetID="10" presetClass="entr" presetSubtype="0" fill="hold" nodeType="withEffect">
-                                  <p:stCondLst>
-                                    <p:cond delay="0"/>
-                                  </p:stCondLst>
-                                  <p:childTnLst>
-                                    <p:set>
-                                      <p:cBhvr>
-                                        <p:cTn id="65" dur="1" fill="hold">
-                                          <p:stCondLst>
-                                            <p:cond delay="0"/>
-                                          </p:stCondLst>
-                                        </p:cTn>
-                                        <p:tgtEl>
-                                          <p:spTgt spid="117"/>
-                                        </p:tgtEl>
-                                        <p:attrNameLst>
-                                          <p:attrName>style.visibility</p:attrName>
-                                        </p:attrNameLst>
-                                      </p:cBhvr>
-                                      <p:to>
-                                        <p:strVal val="visible"/>
-                                      </p:to>
-                                    </p:set>
-                                    <p:animEffect transition="in" filter="fade">
-                                      <p:cBhvr>
-                                        <p:cTn id="66" dur="500"/>
-                                        <p:tgtEl>
-                                          <p:spTgt spid="117"/>
+                                          <p:spTgt spid="101"/>
                                         </p:tgtEl>
                                       </p:cBhvr>
                                     </p:animEffect>
@@ -4532,32 +4516,32 @@
                     </p:cTn>
                   </p:par>
                   <p:par>
-                    <p:cTn id="67" fill="hold">
+                    <p:cTn id="52" fill="hold">
                       <p:stCondLst>
                         <p:cond delay="indefinite"/>
                       </p:stCondLst>
                       <p:childTnLst>
                         <p:par>
-                          <p:cTn id="68" fill="hold">
+                          <p:cTn id="53" fill="hold">
                             <p:stCondLst>
                               <p:cond delay="0"/>
                             </p:stCondLst>
                             <p:childTnLst>
                               <p:par>
-                                <p:cTn id="69" presetID="10" presetClass="entr" presetSubtype="0" fill="hold" nodeType="clickEffect">
+                                <p:cTn id="54" presetID="10" presetClass="entr" presetSubtype="0" fill="hold" nodeType="clickEffect">
                                   <p:stCondLst>
                                     <p:cond delay="0"/>
                                   </p:stCondLst>
                                   <p:childTnLst>
                                     <p:set>
                                       <p:cBhvr>
-                                        <p:cTn id="70" dur="1" fill="hold">
+                                        <p:cTn id="55" dur="1" fill="hold">
                                           <p:stCondLst>
                                             <p:cond delay="0"/>
                                           </p:stCondLst>
                                         </p:cTn>
                                         <p:tgtEl>
-                                          <p:spTgt spid="114"/>
+                                          <p:spTgt spid="106"/>
                                         </p:tgtEl>
                                         <p:attrNameLst>
                                           <p:attrName>style.visibility</p:attrName>
@@ -4569,185 +4553,9 @@
                                     </p:set>
                                     <p:animEffect transition="in" filter="fade">
                                       <p:cBhvr>
-                                        <p:cTn id="71" dur="500"/>
+                                        <p:cTn id="56" dur="500"/>
                                         <p:tgtEl>
-                                          <p:spTgt spid="114"/>
-                                        </p:tgtEl>
-                                      </p:cBhvr>
-                                    </p:animEffect>
-                                  </p:childTnLst>
-                                </p:cTn>
-                              </p:par>
-                              <p:par>
-                                <p:cTn id="72" presetID="10" presetClass="entr" presetSubtype="0" fill="hold" grpId="0" nodeType="withEffect">
-                                  <p:stCondLst>
-                                    <p:cond delay="0"/>
-                                  </p:stCondLst>
-                                  <p:childTnLst>
-                                    <p:set>
-                                      <p:cBhvr>
-                                        <p:cTn id="73" dur="1" fill="hold">
-                                          <p:stCondLst>
-                                            <p:cond delay="0"/>
-                                          </p:stCondLst>
-                                        </p:cTn>
-                                        <p:tgtEl>
-                                          <p:spTgt spid="91"/>
-                                        </p:tgtEl>
-                                        <p:attrNameLst>
-                                          <p:attrName>style.visibility</p:attrName>
-                                        </p:attrNameLst>
-                                      </p:cBhvr>
-                                      <p:to>
-                                        <p:strVal val="visible"/>
-                                      </p:to>
-                                    </p:set>
-                                    <p:animEffect transition="in" filter="fade">
-                                      <p:cBhvr>
-                                        <p:cTn id="74" dur="500"/>
-                                        <p:tgtEl>
-                                          <p:spTgt spid="91"/>
-                                        </p:tgtEl>
-                                      </p:cBhvr>
-                                    </p:animEffect>
-                                  </p:childTnLst>
-                                </p:cTn>
-                              </p:par>
-                            </p:childTnLst>
-                          </p:cTn>
-                        </p:par>
-                      </p:childTnLst>
-                    </p:cTn>
-                  </p:par>
-                  <p:par>
-                    <p:cTn id="75" fill="hold">
-                      <p:stCondLst>
-                        <p:cond delay="indefinite"/>
-                      </p:stCondLst>
-                      <p:childTnLst>
-                        <p:par>
-                          <p:cTn id="76" fill="hold">
-                            <p:stCondLst>
-                              <p:cond delay="0"/>
-                            </p:stCondLst>
-                            <p:childTnLst>
-                              <p:par>
-                                <p:cTn id="77" presetID="10" presetClass="entr" presetSubtype="0" fill="hold" nodeType="clickEffect">
-                                  <p:stCondLst>
-                                    <p:cond delay="0"/>
-                                  </p:stCondLst>
-                                  <p:childTnLst>
-                                    <p:set>
-                                      <p:cBhvr>
-                                        <p:cTn id="78" dur="1" fill="hold">
-                                          <p:stCondLst>
-                                            <p:cond delay="0"/>
-                                          </p:stCondLst>
-                                        </p:cTn>
-                                        <p:tgtEl>
-                                          <p:spTgt spid="123"/>
-                                        </p:tgtEl>
-                                        <p:attrNameLst>
-                                          <p:attrName>style.visibility</p:attrName>
-                                        </p:attrNameLst>
-                                      </p:cBhvr>
-                                      <p:to>
-                                        <p:strVal val="visible"/>
-                                      </p:to>
-                                    </p:set>
-                                    <p:animEffect transition="in" filter="fade">
-                                      <p:cBhvr>
-                                        <p:cTn id="79" dur="500"/>
-                                        <p:tgtEl>
-                                          <p:spTgt spid="123"/>
-                                        </p:tgtEl>
-                                      </p:cBhvr>
-                                    </p:animEffect>
-                                  </p:childTnLst>
-                                </p:cTn>
-                              </p:par>
-                            </p:childTnLst>
-                          </p:cTn>
-                        </p:par>
-                      </p:childTnLst>
-                    </p:cTn>
-                  </p:par>
-                  <p:par>
-                    <p:cTn id="80" fill="hold">
-                      <p:stCondLst>
-                        <p:cond delay="indefinite"/>
-                      </p:stCondLst>
-                      <p:childTnLst>
-                        <p:par>
-                          <p:cTn id="81" fill="hold">
-                            <p:stCondLst>
-                              <p:cond delay="0"/>
-                            </p:stCondLst>
-                            <p:childTnLst>
-                              <p:par>
-                                <p:cTn id="82" presetID="10" presetClass="entr" presetSubtype="0" fill="hold" nodeType="clickEffect">
-                                  <p:stCondLst>
-                                    <p:cond delay="0"/>
-                                  </p:stCondLst>
-                                  <p:childTnLst>
-                                    <p:set>
-                                      <p:cBhvr>
-                                        <p:cTn id="83" dur="1" fill="hold">
-                                          <p:stCondLst>
-                                            <p:cond delay="0"/>
-                                          </p:stCondLst>
-                                        </p:cTn>
-                                        <p:tgtEl>
-                                          <p:spTgt spid="126"/>
-                                        </p:tgtEl>
-                                        <p:attrNameLst>
-                                          <p:attrName>style.visibility</p:attrName>
-                                        </p:attrNameLst>
-                                      </p:cBhvr>
-                                      <p:to>
-                                        <p:strVal val="visible"/>
-                                      </p:to>
-                                    </p:set>
-                                    <p:animEffect transition="in" filter="fade">
-                                      <p:cBhvr>
-                                        <p:cTn id="84" dur="500"/>
-                                        <p:tgtEl>
-                                          <p:spTgt spid="126"/>
-                                        </p:tgtEl>
-                                      </p:cBhvr>
-                                    </p:animEffect>
-                                  </p:childTnLst>
-                                </p:cTn>
-                              </p:par>
-                              <p:par>
-                                <p:cTn id="85" presetID="10" presetClass="entr" presetSubtype="0" fill="hold" grpId="0" nodeType="withEffect">
-                                  <p:stCondLst>
-                                    <p:cond delay="0"/>
-                                  </p:stCondLst>
-                                  <p:childTnLst>
-                                    <p:set>
-                                      <p:cBhvr>
-                                        <p:cTn id="86" dur="1" fill="hold">
-                                          <p:stCondLst>
-                                            <p:cond delay="0"/>
-                                          </p:stCondLst>
-                                        </p:cTn>
-                                        <p:tgtEl>
-                                          <p:spTgt spid="95"/>
-                                        </p:tgtEl>
-                                        <p:attrNameLst>
-                                          <p:attrName>style.visibility</p:attrName>
-                                        </p:attrNameLst>
-                                      </p:cBhvr>
-                                      <p:to>
-                                        <p:strVal val="visible"/>
-                                      </p:to>
-                                    </p:set>
-                                    <p:animEffect transition="in" filter="fade">
-                                      <p:cBhvr>
-                                        <p:cTn id="87" dur="500"/>
-                                        <p:tgtEl>
-                                          <p:spTgt spid="95"/>
+                                          <p:spTgt spid="106"/>
                                         </p:tgtEl>
                                       </p:cBhvr>
                                     </p:animEffect>
@@ -4782,16 +4590,14 @@
       </p:par>
     </p:tnLst>
     <p:bldLst>
-      <p:bldP spid="25" grpId="0" animBg="1"/>
       <p:bldP spid="87" grpId="0" animBg="1"/>
-      <p:bldP spid="88" grpId="0" animBg="1"/>
-      <p:bldP spid="89" grpId="0" animBg="1"/>
-      <p:bldP spid="90" grpId="0" animBg="1"/>
-      <p:bldP spid="91" grpId="0" animBg="1"/>
-      <p:bldP spid="92" grpId="0" animBg="1"/>
-      <p:bldP spid="93" grpId="0" animBg="1"/>
       <p:bldP spid="94" grpId="0" animBg="1"/>
-      <p:bldP spid="95" grpId="0" animBg="1"/>
+      <p:bldP spid="83" grpId="0" animBg="1"/>
+      <p:bldP spid="86" grpId="0" animBg="1"/>
+      <p:bldP spid="97" grpId="0" animBg="1"/>
+      <p:bldP spid="98" grpId="0" animBg="1"/>
+      <p:bldP spid="100" grpId="0" animBg="1"/>
+      <p:bldP spid="101" grpId="0" animBg="1"/>
     </p:bldLst>
   </p:timing>
 </p:sld>
@@ -5056,4 +4862,299 @@
     </a:ext>
   </a:extLst>
 </a:theme>
+</file>
+
+<file path=ppt/theme/theme2.xml><?xml version="1.0" encoding="utf-8"?>
+<a:theme xmlns:a="http://schemas.openxmlformats.org/drawingml/2006/main" name="Office Theme">
+  <a:themeElements>
+    <a:clrScheme name="Office">
+      <a:dk1>
+        <a:sysClr val="windowText" lastClr="000000"/>
+      </a:dk1>
+      <a:lt1>
+        <a:sysClr val="window" lastClr="FFFFFF"/>
+      </a:lt1>
+      <a:dk2>
+        <a:srgbClr val="44546A"/>
+      </a:dk2>
+      <a:lt2>
+        <a:srgbClr val="E7E6E6"/>
+      </a:lt2>
+      <a:accent1>
+        <a:srgbClr val="4472C4"/>
+      </a:accent1>
+      <a:accent2>
+        <a:srgbClr val="ED7D31"/>
+      </a:accent2>
+      <a:accent3>
+        <a:srgbClr val="A5A5A5"/>
+      </a:accent3>
+      <a:accent4>
+        <a:srgbClr val="FFC000"/>
+      </a:accent4>
+      <a:accent5>
+        <a:srgbClr val="5B9BD5"/>
+      </a:accent5>
+      <a:accent6>
+        <a:srgbClr val="70AD47"/>
+      </a:accent6>
+      <a:hlink>
+        <a:srgbClr val="0563C1"/>
+      </a:hlink>
+      <a:folHlink>
+        <a:srgbClr val="954F72"/>
+      </a:folHlink>
+    </a:clrScheme>
+    <a:fontScheme name="Office">
+      <a:majorFont>
+        <a:latin typeface="Calibri Light" panose="020F0302020204030204"/>
+        <a:ea typeface=""/>
+        <a:cs typeface=""/>
+        <a:font script="Jpan" typeface="游ゴシック Light"/>
+        <a:font script="Hang" typeface="맑은 고딕"/>
+        <a:font script="Hans" typeface="等线 Light"/>
+        <a:font script="Hant" typeface="新細明體"/>
+        <a:font script="Arab" typeface="Times New Roman"/>
+        <a:font script="Hebr" typeface="Times New Roman"/>
+        <a:font script="Thai" typeface="Angsana New"/>
+        <a:font script="Ethi" typeface="Nyala"/>
+        <a:font script="Beng" typeface="Vrinda"/>
+        <a:font script="Gujr" typeface="Shruti"/>
+        <a:font script="Khmr" typeface="MoolBoran"/>
+        <a:font script="Knda" typeface="Tunga"/>
+        <a:font script="Guru" typeface="Raavi"/>
+        <a:font script="Cans" typeface="Euphemia"/>
+        <a:font script="Cher" typeface="Plantagenet Cherokee"/>
+        <a:font script="Yiii" typeface="Microsoft Yi Baiti"/>
+        <a:font script="Tibt" typeface="Microsoft Himalaya"/>
+        <a:font script="Thaa" typeface="MV Boli"/>
+        <a:font script="Deva" typeface="Mangal"/>
+        <a:font script="Telu" typeface="Gautami"/>
+        <a:font script="Taml" typeface="Latha"/>
+        <a:font script="Syrc" typeface="Estrangelo Edessa"/>
+        <a:font script="Orya" typeface="Kalinga"/>
+        <a:font script="Mlym" typeface="Kartika"/>
+        <a:font script="Laoo" typeface="DokChampa"/>
+        <a:font script="Sinh" typeface="Iskoola Pota"/>
+        <a:font script="Mong" typeface="Mongolian Baiti"/>
+        <a:font script="Viet" typeface="Times New Roman"/>
+        <a:font script="Uigh" typeface="Microsoft Uighur"/>
+        <a:font script="Geor" typeface="Sylfaen"/>
+        <a:font script="Armn" typeface="Arial"/>
+        <a:font script="Bugi" typeface="Leelawadee UI"/>
+        <a:font script="Bopo" typeface="Microsoft JhengHei"/>
+        <a:font script="Java" typeface="Javanese Text"/>
+        <a:font script="Lisu" typeface="Segoe UI"/>
+        <a:font script="Mymr" typeface="Myanmar Text"/>
+        <a:font script="Nkoo" typeface="Ebrima"/>
+        <a:font script="Olck" typeface="Nirmala UI"/>
+        <a:font script="Osma" typeface="Ebrima"/>
+        <a:font script="Phag" typeface="Phagspa"/>
+        <a:font script="Syrn" typeface="Estrangelo Edessa"/>
+        <a:font script="Syrj" typeface="Estrangelo Edessa"/>
+        <a:font script="Syre" typeface="Estrangelo Edessa"/>
+        <a:font script="Sora" typeface="Nirmala UI"/>
+        <a:font script="Tale" typeface="Microsoft Tai Le"/>
+        <a:font script="Talu" typeface="Microsoft New Tai Lue"/>
+        <a:font script="Tfng" typeface="Ebrima"/>
+      </a:majorFont>
+      <a:minorFont>
+        <a:latin typeface="Calibri" panose="020F0502020204030204"/>
+        <a:ea typeface=""/>
+        <a:cs typeface=""/>
+        <a:font script="Jpan" typeface="游ゴシック"/>
+        <a:font script="Hang" typeface="맑은 고딕"/>
+        <a:font script="Hans" typeface="等线"/>
+        <a:font script="Hant" typeface="新細明體"/>
+        <a:font script="Arab" typeface="Arial"/>
+        <a:font script="Hebr" typeface="Arial"/>
+        <a:font script="Thai" typeface="Cordia New"/>
+        <a:font script="Ethi" typeface="Nyala"/>
+        <a:font script="Beng" typeface="Vrinda"/>
+        <a:font script="Gujr" typeface="Shruti"/>
+        <a:font script="Khmr" typeface="DaunPenh"/>
+        <a:font script="Knda" typeface="Tunga"/>
+        <a:font script="Guru" typeface="Raavi"/>
+        <a:font script="Cans" typeface="Euphemia"/>
+        <a:font script="Cher" typeface="Plantagenet Cherokee"/>
+        <a:font script="Yiii" typeface="Microsoft Yi Baiti"/>
+        <a:font script="Tibt" typeface="Microsoft Himalaya"/>
+        <a:font script="Thaa" typeface="MV Boli"/>
+        <a:font script="Deva" typeface="Mangal"/>
+        <a:font script="Telu" typeface="Gautami"/>
+        <a:font script="Taml" typeface="Latha"/>
+        <a:font script="Syrc" typeface="Estrangelo Edessa"/>
+        <a:font script="Orya" typeface="Kalinga"/>
+        <a:font script="Mlym" typeface="Kartika"/>
+        <a:font script="Laoo" typeface="DokChampa"/>
+        <a:font script="Sinh" typeface="Iskoola Pota"/>
+        <a:font script="Mong" typeface="Mongolian Baiti"/>
+        <a:font script="Viet" typeface="Arial"/>
+        <a:font script="Uigh" typeface="Microsoft Uighur"/>
+        <a:font script="Geor" typeface="Sylfaen"/>
+        <a:font script="Armn" typeface="Arial"/>
+        <a:font script="Bugi" typeface="Leelawadee UI"/>
+        <a:font script="Bopo" typeface="Microsoft JhengHei"/>
+        <a:font script="Java" typeface="Javanese Text"/>
+        <a:font script="Lisu" typeface="Segoe UI"/>
+        <a:font script="Mymr" typeface="Myanmar Text"/>
+        <a:font script="Nkoo" typeface="Ebrima"/>
+        <a:font script="Olck" typeface="Nirmala UI"/>
+        <a:font script="Osma" typeface="Ebrima"/>
+        <a:font script="Phag" typeface="Phagspa"/>
+        <a:font script="Syrn" typeface="Estrangelo Edessa"/>
+        <a:font script="Syrj" typeface="Estrangelo Edessa"/>
+        <a:font script="Syre" typeface="Estrangelo Edessa"/>
+        <a:font script="Sora" typeface="Nirmala UI"/>
+        <a:font script="Tale" typeface="Microsoft Tai Le"/>
+        <a:font script="Talu" typeface="Microsoft New Tai Lue"/>
+        <a:font script="Tfng" typeface="Ebrima"/>
+      </a:minorFont>
+    </a:fontScheme>
+    <a:fmtScheme name="Office">
+      <a:fillStyleLst>
+        <a:solidFill>
+          <a:schemeClr val="phClr"/>
+        </a:solidFill>
+        <a:gradFill rotWithShape="1">
+          <a:gsLst>
+            <a:gs pos="0">
+              <a:schemeClr val="phClr">
+                <a:lumMod val="110000"/>
+                <a:satMod val="105000"/>
+                <a:tint val="67000"/>
+              </a:schemeClr>
+            </a:gs>
+            <a:gs pos="50000">
+              <a:schemeClr val="phClr">
+                <a:lumMod val="105000"/>
+                <a:satMod val="103000"/>
+                <a:tint val="73000"/>
+              </a:schemeClr>
+            </a:gs>
+            <a:gs pos="100000">
+              <a:schemeClr val="phClr">
+                <a:lumMod val="105000"/>
+                <a:satMod val="109000"/>
+                <a:tint val="81000"/>
+              </a:schemeClr>
+            </a:gs>
+          </a:gsLst>
+          <a:lin ang="5400000" scaled="0"/>
+        </a:gradFill>
+        <a:gradFill rotWithShape="1">
+          <a:gsLst>
+            <a:gs pos="0">
+              <a:schemeClr val="phClr">
+                <a:satMod val="103000"/>
+                <a:lumMod val="102000"/>
+                <a:tint val="94000"/>
+              </a:schemeClr>
+            </a:gs>
+            <a:gs pos="50000">
+              <a:schemeClr val="phClr">
+                <a:satMod val="110000"/>
+                <a:lumMod val="100000"/>
+                <a:shade val="100000"/>
+              </a:schemeClr>
+            </a:gs>
+            <a:gs pos="100000">
+              <a:schemeClr val="phClr">
+                <a:lumMod val="99000"/>
+                <a:satMod val="120000"/>
+                <a:shade val="78000"/>
+              </a:schemeClr>
+            </a:gs>
+          </a:gsLst>
+          <a:lin ang="5400000" scaled="0"/>
+        </a:gradFill>
+      </a:fillStyleLst>
+      <a:lnStyleLst>
+        <a:ln w="6350" cap="flat" cmpd="sng" algn="ctr">
+          <a:solidFill>
+            <a:schemeClr val="phClr"/>
+          </a:solidFill>
+          <a:prstDash val="solid"/>
+          <a:miter lim="800000"/>
+        </a:ln>
+        <a:ln w="12700" cap="flat" cmpd="sng" algn="ctr">
+          <a:solidFill>
+            <a:schemeClr val="phClr"/>
+          </a:solidFill>
+          <a:prstDash val="solid"/>
+          <a:miter lim="800000"/>
+        </a:ln>
+        <a:ln w="19050" cap="flat" cmpd="sng" algn="ctr">
+          <a:solidFill>
+            <a:schemeClr val="phClr"/>
+          </a:solidFill>
+          <a:prstDash val="solid"/>
+          <a:miter lim="800000"/>
+        </a:ln>
+      </a:lnStyleLst>
+      <a:effectStyleLst>
+        <a:effectStyle>
+          <a:effectLst/>
+        </a:effectStyle>
+        <a:effectStyle>
+          <a:effectLst/>
+        </a:effectStyle>
+        <a:effectStyle>
+          <a:effectLst>
+            <a:outerShdw blurRad="57150" dist="19050" dir="5400000" algn="ctr" rotWithShape="0">
+              <a:srgbClr val="000000">
+                <a:alpha val="63000"/>
+              </a:srgbClr>
+            </a:outerShdw>
+          </a:effectLst>
+        </a:effectStyle>
+      </a:effectStyleLst>
+      <a:bgFillStyleLst>
+        <a:solidFill>
+          <a:schemeClr val="phClr"/>
+        </a:solidFill>
+        <a:solidFill>
+          <a:schemeClr val="phClr">
+            <a:tint val="95000"/>
+            <a:satMod val="170000"/>
+          </a:schemeClr>
+        </a:solidFill>
+        <a:gradFill rotWithShape="1">
+          <a:gsLst>
+            <a:gs pos="0">
+              <a:schemeClr val="phClr">
+                <a:tint val="93000"/>
+                <a:satMod val="150000"/>
+                <a:shade val="98000"/>
+                <a:lumMod val="102000"/>
+              </a:schemeClr>
+            </a:gs>
+            <a:gs pos="50000">
+              <a:schemeClr val="phClr">
+                <a:tint val="98000"/>
+                <a:satMod val="130000"/>
+                <a:shade val="90000"/>
+                <a:lumMod val="103000"/>
+              </a:schemeClr>
+            </a:gs>
+            <a:gs pos="100000">
+              <a:schemeClr val="phClr">
+                <a:shade val="63000"/>
+                <a:satMod val="120000"/>
+              </a:schemeClr>
+            </a:gs>
+          </a:gsLst>
+          <a:lin ang="5400000" scaled="0"/>
+        </a:gradFill>
+      </a:bgFillStyleLst>
+    </a:fmtScheme>
+  </a:themeElements>
+  <a:objectDefaults/>
+  <a:extraClrSchemeLst/>
+  <a:extLst>
+    <a:ext uri="{05A4C25C-085E-4340-85A3-A5531E510DB2}">
+      <thm15:themeFamily xmlns:thm15="http://schemas.microsoft.com/office/thememl/2012/main" name="Office Theme" id="{62F939B6-93AF-4DB8-9C6B-D6C7DFDC589F}" vid="{4A3C46E8-61CC-4603-A589-7422A47A8E4A}"/>
+    </a:ext>
+  </a:extLst>
+</a:theme>
 </file>